--- a/dbflute/etc/doc/ref/session/resource/dbflute-basic-presentation.pptx
+++ b/dbflute/etc/doc/ref/session/resource/dbflute-basic-presentation.pptx
@@ -8,7 +8,7 @@
     <p:sldId id="256" r:id="rId2"/>
     <p:sldId id="257" r:id="rId3"/>
     <p:sldId id="258" r:id="rId4"/>
-    <p:sldId id="259" r:id="rId5"/>
+    <p:sldId id="262" r:id="rId5"/>
     <p:sldId id="260" r:id="rId6"/>
     <p:sldId id="261" r:id="rId7"/>
   </p:sldIdLst>
@@ -346,7 +346,7 @@
             <a:fld id="{583E47C3-F22F-C845-998D-4E79F4C912B8}" type="datetimeFigureOut">
               <a:rPr lang="ja-JP" altLang="en-US" smtClean="0"/>
               <a:pPr/>
-              <a:t>08.5.18</a:t>
+              <a:t>08.9.1</a:t>
             </a:fld>
             <a:endParaRPr lang="ja-JP" altLang="en-US"/>
           </a:p>
@@ -493,7 +493,7 @@
             <a:fld id="{583E47C3-F22F-C845-998D-4E79F4C912B8}" type="datetimeFigureOut">
               <a:rPr lang="ja-JP" altLang="en-US" smtClean="0"/>
               <a:pPr/>
-              <a:t>08.5.18</a:t>
+              <a:t>08.9.1</a:t>
             </a:fld>
             <a:endParaRPr lang="ja-JP" altLang="en-US"/>
           </a:p>
@@ -1076,7 +1076,7 @@
             <a:fld id="{583E47C3-F22F-C845-998D-4E79F4C912B8}" type="datetimeFigureOut">
               <a:rPr lang="ja-JP" altLang="en-US" smtClean="0"/>
               <a:pPr/>
-              <a:t>08.5.18</a:t>
+              <a:t>08.9.1</a:t>
             </a:fld>
             <a:endParaRPr lang="ja-JP" altLang="en-US"/>
           </a:p>
@@ -1542,7 +1542,7 @@
             <a:fld id="{583E47C3-F22F-C845-998D-4E79F4C912B8}" type="datetimeFigureOut">
               <a:rPr lang="ja-JP" altLang="en-US" smtClean="0"/>
               <a:pPr/>
-              <a:t>08.5.18</a:t>
+              <a:t>08.9.1</a:t>
             </a:fld>
             <a:endParaRPr lang="ja-JP" altLang="en-US"/>
           </a:p>
@@ -1634,7 +1634,7 @@
             <a:fld id="{583E47C3-F22F-C845-998D-4E79F4C912B8}" type="datetimeFigureOut">
               <a:rPr lang="ja-JP" altLang="en-US" smtClean="0"/>
               <a:pPr/>
-              <a:t>08.5.18</a:t>
+              <a:t>08.9.1</a:t>
             </a:fld>
             <a:endParaRPr lang="ja-JP" altLang="en-US"/>
           </a:p>
@@ -1943,7 +1943,7 @@
             <a:fld id="{583E47C3-F22F-C845-998D-4E79F4C912B8}" type="datetimeFigureOut">
               <a:rPr lang="ja-JP" altLang="en-US" smtClean="0"/>
               <a:pPr/>
-              <a:t>08.5.18</a:t>
+              <a:t>08.9.1</a:t>
             </a:fld>
             <a:endParaRPr lang="ja-JP" altLang="en-US"/>
           </a:p>
@@ -2135,7 +2135,7 @@
             <a:fld id="{583E47C3-F22F-C845-998D-4E79F4C912B8}" type="datetimeFigureOut">
               <a:rPr lang="ja-JP" altLang="en-US" smtClean="0"/>
               <a:pPr/>
-              <a:t>08.5.18</a:t>
+              <a:t>08.9.1</a:t>
             </a:fld>
             <a:endParaRPr lang="ja-JP" altLang="en-US"/>
           </a:p>
@@ -2876,7 +2876,7 @@
             <a:fld id="{583E47C3-F22F-C845-998D-4E79F4C912B8}" type="datetimeFigureOut">
               <a:rPr lang="ja-JP" altLang="en-US" smtClean="0"/>
               <a:pPr/>
-              <a:t>08.5.18</a:t>
+              <a:t>08.9.1</a:t>
             </a:fld>
             <a:endParaRPr lang="ja-JP" altLang="en-US"/>
           </a:p>
@@ -3216,7 +3216,7 @@
             <a:fld id="{583E47C3-F22F-C845-998D-4E79F4C912B8}" type="datetimeFigureOut">
               <a:rPr lang="ja-JP" altLang="en-US" smtClean="0"/>
               <a:pPr/>
-              <a:t>08.5.18</a:t>
+              <a:t>08.9.1</a:t>
             </a:fld>
             <a:endParaRPr lang="ja-JP" altLang="en-US"/>
           </a:p>
@@ -3815,7 +3815,7 @@
             <a:fld id="{583E47C3-F22F-C845-998D-4E79F4C912B8}" type="datetimeFigureOut">
               <a:rPr lang="ja-JP" altLang="en-US" smtClean="0"/>
               <a:pPr/>
-              <a:t>08.5.18</a:t>
+              <a:t>08.9.1</a:t>
             </a:fld>
             <a:endParaRPr lang="ja-JP" altLang="en-US"/>
           </a:p>
@@ -4028,7 +4028,7 @@
             <a:fld id="{583E47C3-F22F-C845-998D-4E79F4C912B8}" type="datetimeFigureOut">
               <a:rPr lang="ja-JP" altLang="en-US" smtClean="0"/>
               <a:pPr/>
-              <a:t>08.5.18</a:t>
+              <a:t>08.9.1</a:t>
             </a:fld>
             <a:endParaRPr lang="ja-JP" altLang="en-US"/>
           </a:p>
@@ -4227,7 +4227,7 @@
             <a:fld id="{583E47C3-F22F-C845-998D-4E79F4C912B8}" type="datetimeFigureOut">
               <a:rPr lang="ja-JP" altLang="en-US" smtClean="0"/>
               <a:pPr/>
-              <a:t>08.5.18</a:t>
+              <a:t>08.9.1</a:t>
             </a:fld>
             <a:endParaRPr lang="ja-JP" altLang="en-US"/>
           </a:p>
@@ -4450,7 +4450,7 @@
             <a:fld id="{583E47C3-F22F-C845-998D-4E79F4C912B8}" type="datetimeFigureOut">
               <a:rPr lang="ja-JP" altLang="en-US" smtClean="0"/>
               <a:pPr/>
-              <a:t>08.5.18</a:t>
+              <a:t>08.9.1</a:t>
             </a:fld>
             <a:endParaRPr lang="ja-JP" altLang="en-US"/>
           </a:p>
@@ -4871,7 +4871,7 @@
             <a:fld id="{583E47C3-F22F-C845-998D-4E79F4C912B8}" type="datetimeFigureOut">
               <a:rPr lang="ja-JP" altLang="en-US" smtClean="0"/>
               <a:pPr/>
-              <a:t>08.5.18</a:t>
+              <a:t>08.9.1</a:t>
             </a:fld>
             <a:endParaRPr lang="ja-JP" altLang="en-US"/>
           </a:p>
@@ -5171,7 +5171,7 @@
             <a:fld id="{583E47C3-F22F-C845-998D-4E79F4C912B8}" type="datetimeFigureOut">
               <a:rPr lang="ja-JP" altLang="en-US" smtClean="0"/>
               <a:pPr/>
-              <a:t>08.5.18</a:t>
+              <a:t>08.9.1</a:t>
             </a:fld>
             <a:endParaRPr lang="ja-JP" altLang="en-US"/>
           </a:p>
@@ -5574,7 +5574,7 @@
             <a:fld id="{583E47C3-F22F-C845-998D-4E79F4C912B8}" type="datetimeFigureOut">
               <a:rPr lang="ja-JP" altLang="en-US" smtClean="0"/>
               <a:pPr/>
-              <a:t>08.5.18</a:t>
+              <a:t>08.9.1</a:t>
             </a:fld>
             <a:endParaRPr lang="ja-JP" altLang="en-US"/>
           </a:p>
@@ -5966,7 +5966,7 @@
             <a:fld id="{583E47C3-F22F-C845-998D-4E79F4C912B8}" type="datetimeFigureOut">
               <a:rPr lang="ja-JP" altLang="en-US" smtClean="0"/>
               <a:pPr/>
-              <a:t>08.5.18</a:t>
+              <a:t>08.9.1</a:t>
             </a:fld>
             <a:endParaRPr lang="ja-JP" altLang="en-US"/>
           </a:p>
@@ -6315,7 +6315,7 @@
             <a:fld id="{583E47C3-F22F-C845-998D-4E79F4C912B8}" type="datetimeFigureOut">
               <a:rPr lang="ja-JP" altLang="en-US" smtClean="0"/>
               <a:pPr/>
-              <a:t>08.5.18</a:t>
+              <a:t>08.9.1</a:t>
             </a:fld>
             <a:endParaRPr lang="ja-JP" altLang="en-US"/>
           </a:p>
@@ -6820,7 +6820,7 @@
             <a:fld id="{583E47C3-F22F-C845-998D-4E79F4C912B8}" type="datetimeFigureOut">
               <a:rPr lang="ja-JP" altLang="en-US" smtClean="0"/>
               <a:pPr/>
-              <a:t>08.5.18</a:t>
+              <a:t>08.9.1</a:t>
             </a:fld>
             <a:endParaRPr lang="ja-JP" altLang="en-US"/>
           </a:p>
@@ -7148,7 +7148,7 @@
             <a:fld id="{583E47C3-F22F-C845-998D-4E79F4C912B8}" type="datetimeFigureOut">
               <a:rPr lang="ja-JP" altLang="en-US" smtClean="0"/>
               <a:pPr/>
-              <a:t>08.5.18</a:t>
+              <a:t>08.9.1</a:t>
             </a:fld>
             <a:endParaRPr lang="ja-JP" altLang="en-US"/>
           </a:p>
@@ -7506,7 +7506,7 @@
             <a:fld id="{583E47C3-F22F-C845-998D-4E79F4C912B8}" type="datetimeFigureOut">
               <a:rPr lang="ja-JP" altLang="en-US" smtClean="0"/>
               <a:pPr/>
-              <a:t>08.5.18</a:t>
+              <a:t>08.9.1</a:t>
             </a:fld>
             <a:endParaRPr lang="ja-JP" altLang="en-US"/>
           </a:p>
@@ -11227,7 +11227,7 @@
       </p:grpSpPr>
       <p:sp>
         <p:nvSpPr>
-          <p:cNvPr id="2" name="タイトル 1"/>
+          <p:cNvPr id="25601" name="タイトル 1"/>
           <p:cNvSpPr>
             <a:spLocks noGrp="1"/>
           </p:cNvSpPr>
@@ -11240,1405 +11240,28 @@
           <a:bodyPr/>
           <a:lstStyle/>
           <a:p>
-            <a:r>
-              <a:rPr lang="ja-JP" altLang="en-US" dirty="0" smtClean="0"/>
+            <a:pPr eaLnBrk="1" hangingPunct="1"/>
+            <a:r>
+              <a:rPr lang="ja-JP" altLang="en-US" smtClean="0">
+                <a:latin typeface="Times New Roman" pitchFamily="18" charset="0"/>
+              </a:rPr>
               <a:t>外だし</a:t>
             </a:r>
             <a:r>
-              <a:rPr lang="en-US" altLang="ja-JP" dirty="0" err="1" smtClean="0"/>
-              <a:t>SQL(OutsideSql</a:t>
-            </a:r>
-            <a:r>
-              <a:rPr lang="en-US" altLang="ja-JP" dirty="0" smtClean="0"/>
-              <a:t>)</a:t>
-            </a:r>
-            <a:endParaRPr lang="ja-JP" altLang="en-US" dirty="0"/>
-          </a:p>
-        </p:txBody>
-      </p:sp>
-      <p:sp>
-        <p:nvSpPr>
-          <p:cNvPr id="3" name="AutoShape 2"/>
-          <p:cNvSpPr>
-            <a:spLocks noChangeArrowheads="1"/>
-          </p:cNvSpPr>
-          <p:nvPr/>
-        </p:nvSpPr>
-        <p:spPr bwMode="gray">
-          <a:xfrm>
-            <a:off x="1908175" y="2724150"/>
-            <a:ext cx="2530475" cy="2865438"/>
-          </a:xfrm>
-          <a:prstGeom prst="roundRect">
-            <a:avLst>
-              <a:gd name="adj" fmla="val 17509"/>
-            </a:avLst>
-          </a:prstGeom>
-          <a:gradFill rotWithShape="1">
-            <a:gsLst>
-              <a:gs pos="0">
-                <a:srgbClr val="4E91D4"/>
-              </a:gs>
-              <a:gs pos="100000">
-                <a:srgbClr val="3477A4"/>
-              </a:gs>
-            </a:gsLst>
-            <a:lin ang="2700000" scaled="1"/>
-          </a:gradFill>
-          <a:ln w="9525">
-            <a:noFill/>
-            <a:round/>
-            <a:headEnd/>
-            <a:tailEnd/>
-          </a:ln>
-        </p:spPr>
-        <p:txBody>
-          <a:bodyPr wrap="none" anchor="ctr">
-            <a:prstTxWarp prst="textNoShape">
-              <a:avLst/>
-            </a:prstTxWarp>
-          </a:bodyPr>
-          <a:lstStyle/>
-          <a:p>
-            <a:endParaRPr lang="ja-JP" altLang="en-US">
-              <a:ea typeface="Osaka−等幅"/>
+              <a:rPr lang="en-US" altLang="ja-JP" smtClean="0">
+                <a:latin typeface="Times New Roman" pitchFamily="18" charset="0"/>
+              </a:rPr>
+              <a:t>SQL(OutsideSql)</a:t>
+            </a:r>
+            <a:endParaRPr lang="ja-JP" altLang="en-US" smtClean="0">
+              <a:latin typeface="Times New Roman" pitchFamily="18" charset="0"/>
             </a:endParaRPr>
           </a:p>
         </p:txBody>
       </p:sp>
       <p:sp>
         <p:nvSpPr>
-          <p:cNvPr id="4" name="AutoShape 3"/>
-          <p:cNvSpPr>
-            <a:spLocks noChangeArrowheads="1"/>
-          </p:cNvSpPr>
-          <p:nvPr/>
-        </p:nvSpPr>
-        <p:spPr bwMode="gray">
-          <a:xfrm>
-            <a:off x="1941513" y="2732088"/>
-            <a:ext cx="2454275" cy="2814637"/>
-          </a:xfrm>
-          <a:prstGeom prst="roundRect">
-            <a:avLst>
-              <a:gd name="adj" fmla="val 16667"/>
-            </a:avLst>
-          </a:prstGeom>
-          <a:solidFill>
-            <a:srgbClr val="3CA1E6"/>
-          </a:solidFill>
-          <a:ln w="9525">
-            <a:noFill/>
-            <a:round/>
-            <a:headEnd/>
-            <a:tailEnd/>
-          </a:ln>
-        </p:spPr>
-        <p:txBody>
-          <a:bodyPr wrap="none" anchor="ctr">
-            <a:prstTxWarp prst="textNoShape">
-              <a:avLst/>
-            </a:prstTxWarp>
-          </a:bodyPr>
-          <a:lstStyle/>
-          <a:p>
-            <a:endParaRPr lang="ja-JP" altLang="en-US">
-              <a:ea typeface="Osaka−等幅"/>
-            </a:endParaRPr>
-          </a:p>
-        </p:txBody>
-      </p:sp>
-      <p:sp>
-        <p:nvSpPr>
-          <p:cNvPr id="5" name="AutoShape 4"/>
-          <p:cNvSpPr>
-            <a:spLocks noChangeArrowheads="1"/>
-          </p:cNvSpPr>
-          <p:nvPr/>
-        </p:nvSpPr>
-        <p:spPr bwMode="gray">
-          <a:xfrm>
-            <a:off x="1958975" y="4805363"/>
-            <a:ext cx="2420938" cy="711200"/>
-          </a:xfrm>
-          <a:prstGeom prst="roundRect">
-            <a:avLst>
-              <a:gd name="adj" fmla="val 50000"/>
-            </a:avLst>
-          </a:prstGeom>
-          <a:gradFill rotWithShape="1">
-            <a:gsLst>
-              <a:gs pos="0">
-                <a:srgbClr val="3CA1E6">
-                  <a:alpha val="0"/>
-                </a:srgbClr>
-              </a:gs>
-              <a:gs pos="100000">
-                <a:srgbClr val="9BCFF2"/>
-              </a:gs>
-            </a:gsLst>
-            <a:lin ang="5400000" scaled="1"/>
-          </a:gradFill>
-          <a:ln w="9525">
-            <a:noFill/>
-            <a:round/>
-            <a:headEnd/>
-            <a:tailEnd/>
-          </a:ln>
-        </p:spPr>
-        <p:txBody>
-          <a:bodyPr wrap="none" anchor="ctr">
-            <a:prstTxWarp prst="textNoShape">
-              <a:avLst/>
-            </a:prstTxWarp>
-          </a:bodyPr>
-          <a:lstStyle/>
-          <a:p>
-            <a:endParaRPr lang="ja-JP" altLang="en-US">
-              <a:ea typeface="Osaka−等幅"/>
-            </a:endParaRPr>
-          </a:p>
-        </p:txBody>
-      </p:sp>
-      <p:sp>
-        <p:nvSpPr>
-          <p:cNvPr id="6" name="AutoShape 5"/>
-          <p:cNvSpPr>
-            <a:spLocks noChangeArrowheads="1"/>
-          </p:cNvSpPr>
-          <p:nvPr/>
-        </p:nvSpPr>
-        <p:spPr bwMode="gray">
-          <a:xfrm>
-            <a:off x="1954213" y="2759075"/>
-            <a:ext cx="2420937" cy="709613"/>
-          </a:xfrm>
-          <a:prstGeom prst="roundRect">
-            <a:avLst>
-              <a:gd name="adj" fmla="val 50000"/>
-            </a:avLst>
-          </a:prstGeom>
-          <a:gradFill rotWithShape="1">
-            <a:gsLst>
-              <a:gs pos="0">
-                <a:srgbClr val="BEE0F7"/>
-              </a:gs>
-              <a:gs pos="100000">
-                <a:srgbClr val="3CA1E6">
-                  <a:alpha val="0"/>
-                </a:srgbClr>
-              </a:gs>
-            </a:gsLst>
-            <a:lin ang="5400000" scaled="1"/>
-          </a:gradFill>
-          <a:ln w="9525">
-            <a:noFill/>
-            <a:round/>
-            <a:headEnd/>
-            <a:tailEnd/>
-          </a:ln>
-        </p:spPr>
-        <p:txBody>
-          <a:bodyPr wrap="none" anchor="ctr">
-            <a:prstTxWarp prst="textNoShape">
-              <a:avLst/>
-            </a:prstTxWarp>
-          </a:bodyPr>
-          <a:lstStyle/>
-          <a:p>
-            <a:endParaRPr lang="ja-JP" altLang="en-US">
-              <a:ea typeface="Osaka−等幅"/>
-            </a:endParaRPr>
-          </a:p>
-        </p:txBody>
-      </p:sp>
-      <p:sp>
-        <p:nvSpPr>
-          <p:cNvPr id="7" name="Text Box 6"/>
-          <p:cNvSpPr txBox="1">
-            <a:spLocks noChangeArrowheads="1"/>
-          </p:cNvSpPr>
-          <p:nvPr/>
-        </p:nvSpPr>
-        <p:spPr bwMode="gray">
-          <a:xfrm>
-            <a:off x="1908175" y="3260725"/>
-            <a:ext cx="2482850" cy="1446550"/>
-          </a:xfrm>
-          <a:prstGeom prst="rect">
-            <a:avLst/>
-          </a:prstGeom>
-          <a:noFill/>
-          <a:ln w="9525">
-            <a:noFill/>
-            <a:miter lim="800000"/>
-            <a:headEnd/>
-            <a:tailEnd/>
-          </a:ln>
-        </p:spPr>
-        <p:txBody>
-          <a:bodyPr wrap="square">
-            <a:prstTxWarp prst="textNoShape">
-              <a:avLst/>
-            </a:prstTxWarp>
-            <a:spAutoFit/>
-          </a:bodyPr>
-          <a:lstStyle/>
-          <a:p>
-            <a:pPr eaLnBrk="0" hangingPunct="0"/>
-            <a:r>
-              <a:rPr kumimoji="0" lang="ja-JP" altLang="en-US" sz="1600" dirty="0">
-                <a:solidFill>
-                  <a:srgbClr val="000000"/>
-                </a:solidFill>
-                <a:latin typeface="Osaka−等幅"/>
-                <a:ea typeface="Osaka−等幅"/>
-                <a:cs typeface="HGP創英角ｺﾞｼｯｸUB" pitchFamily="50" charset="-128"/>
-              </a:rPr>
-              <a:t>エラーメッセージ</a:t>
-            </a:r>
-            <a:r>
-              <a:rPr kumimoji="0" lang="ja-JP" altLang="en-US" sz="1600" dirty="0" smtClean="0">
-                <a:solidFill>
-                  <a:srgbClr val="000000"/>
-                </a:solidFill>
-                <a:latin typeface="Osaka−等幅"/>
-                <a:ea typeface="Osaka−等幅"/>
-                <a:cs typeface="HGP創英角ｺﾞｼｯｸUB" pitchFamily="50" charset="-128"/>
-              </a:rPr>
-              <a:t>を徹底</a:t>
-            </a:r>
-            <a:endParaRPr kumimoji="0" lang="en-US" altLang="ja-JP" sz="1600" dirty="0">
-              <a:solidFill>
-                <a:srgbClr val="000000"/>
-              </a:solidFill>
-              <a:latin typeface="Osaka−等幅"/>
-              <a:ea typeface="Osaka−等幅"/>
-              <a:cs typeface="HGP創英角ｺﾞｼｯｸUB" pitchFamily="50" charset="-128"/>
-            </a:endParaRPr>
-          </a:p>
-          <a:p>
-            <a:pPr algn="l"/>
-            <a:endParaRPr kumimoji="0" lang="en-US" altLang="ja-JP" sz="1200" dirty="0">
-              <a:solidFill>
-                <a:srgbClr val="000000"/>
-              </a:solidFill>
-              <a:latin typeface="Osaka−等幅"/>
-              <a:ea typeface="Osaka−等幅"/>
-              <a:cs typeface="HGP創英角ｺﾞｼｯｸUB" pitchFamily="50" charset="-128"/>
-            </a:endParaRPr>
-          </a:p>
-          <a:p>
-            <a:pPr algn="l"/>
-            <a:r>
-              <a:rPr kumimoji="0" lang="en-US" altLang="ja-JP" sz="1200" dirty="0">
-                <a:solidFill>
-                  <a:srgbClr val="000000"/>
-                </a:solidFill>
-                <a:latin typeface="Osaka−等幅"/>
-                <a:ea typeface="Osaka−等幅"/>
-                <a:cs typeface="HGP創英角ｺﾞｼｯｸUB" pitchFamily="50" charset="-128"/>
-              </a:rPr>
-              <a:t>■</a:t>
-            </a:r>
-            <a:r>
-              <a:rPr kumimoji="0" lang="ja-JP" altLang="en-US" sz="1200" dirty="0">
-                <a:solidFill>
-                  <a:srgbClr val="000000"/>
-                </a:solidFill>
-                <a:ea typeface="Osaka−等幅"/>
-                <a:cs typeface="HGP創英角ｺﾞｼｯｸUB" pitchFamily="50" charset="-128"/>
-              </a:rPr>
-              <a:t>タイプセーフではないので</a:t>
-            </a:r>
-            <a:endParaRPr kumimoji="0" lang="en-US" altLang="ja-JP" sz="1200" dirty="0">
-              <a:solidFill>
-                <a:srgbClr val="000000"/>
-              </a:solidFill>
-              <a:ea typeface="Osaka−等幅"/>
-              <a:cs typeface="HGP創英角ｺﾞｼｯｸUB" pitchFamily="50" charset="-128"/>
-            </a:endParaRPr>
-          </a:p>
-          <a:p>
-            <a:pPr algn="l"/>
-            <a:r>
-              <a:rPr kumimoji="0" lang="ja-JP" altLang="en-US" sz="1200" dirty="0" smtClean="0">
-                <a:solidFill>
-                  <a:srgbClr val="000000"/>
-                </a:solidFill>
-                <a:ea typeface="Osaka−等幅"/>
-                <a:cs typeface="HGP創英角ｺﾞｼｯｸUB" pitchFamily="50" charset="-128"/>
-              </a:rPr>
-              <a:t>　とても</a:t>
-            </a:r>
-            <a:r>
-              <a:rPr kumimoji="0" lang="ja-JP" altLang="en-US" sz="1200" dirty="0">
-                <a:solidFill>
-                  <a:srgbClr val="000000"/>
-                </a:solidFill>
-                <a:ea typeface="Osaka−等幅"/>
-                <a:cs typeface="HGP創英角ｺﾞｼｯｸUB" pitchFamily="50" charset="-128"/>
-              </a:rPr>
-              <a:t>重要</a:t>
-            </a:r>
-            <a:endParaRPr kumimoji="0" lang="en-US" altLang="ja-JP" sz="1200" dirty="0">
-              <a:solidFill>
-                <a:srgbClr val="000000"/>
-              </a:solidFill>
-              <a:ea typeface="Osaka−等幅"/>
-              <a:cs typeface="HGP創英角ｺﾞｼｯｸUB" pitchFamily="50" charset="-128"/>
-            </a:endParaRPr>
-          </a:p>
-          <a:p>
-            <a:pPr algn="l"/>
-            <a:endParaRPr kumimoji="0" lang="en-US" altLang="ja-JP" sz="1200" dirty="0">
-              <a:solidFill>
-                <a:srgbClr val="000000"/>
-              </a:solidFill>
-              <a:ea typeface="Osaka−等幅"/>
-              <a:cs typeface="HGP創英角ｺﾞｼｯｸUB" pitchFamily="50" charset="-128"/>
-            </a:endParaRPr>
-          </a:p>
-          <a:p>
-            <a:pPr algn="l" eaLnBrk="0" hangingPunct="0"/>
-            <a:r>
-              <a:rPr kumimoji="0" lang="en-US" altLang="ja-JP" sz="1200" dirty="0">
-                <a:solidFill>
-                  <a:srgbClr val="000000"/>
-                </a:solidFill>
-                <a:latin typeface="Osaka−等幅"/>
-                <a:ea typeface="Osaka−等幅"/>
-                <a:cs typeface="HGP創英角ｺﾞｼｯｸUB" pitchFamily="50" charset="-128"/>
-              </a:rPr>
-              <a:t>■</a:t>
-            </a:r>
-            <a:r>
-              <a:rPr kumimoji="0" lang="ja-JP" altLang="en-US" sz="1200" dirty="0">
-                <a:solidFill>
-                  <a:srgbClr val="000000"/>
-                </a:solidFill>
-                <a:latin typeface="Osaka−等幅"/>
-                <a:ea typeface="Osaka−等幅"/>
-                <a:cs typeface="HGP創英角ｺﾞｼｯｸUB" pitchFamily="50" charset="-128"/>
-              </a:rPr>
-              <a:t>コメントミスは</a:t>
-            </a:r>
-            <a:r>
-              <a:rPr kumimoji="0" lang="en-US" altLang="ja-JP" sz="1200" dirty="0">
-                <a:solidFill>
-                  <a:srgbClr val="000000"/>
-                </a:solidFill>
-                <a:latin typeface="Osaka−等幅"/>
-                <a:ea typeface="Osaka−等幅"/>
-                <a:cs typeface="HGP創英角ｺﾞｼｯｸUB" pitchFamily="50" charset="-128"/>
-              </a:rPr>
-              <a:t>SQL</a:t>
-            </a:r>
-            <a:r>
-              <a:rPr kumimoji="0" lang="ja-JP" altLang="en-US" sz="1200" dirty="0" smtClean="0">
-                <a:solidFill>
-                  <a:srgbClr val="000000"/>
-                </a:solidFill>
-                <a:latin typeface="Osaka−等幅"/>
-                <a:ea typeface="Osaka−等幅"/>
-                <a:cs typeface="HGP創英角ｺﾞｼｯｸUB" pitchFamily="50" charset="-128"/>
-              </a:rPr>
-              <a:t>のツール　実行で</a:t>
-            </a:r>
-            <a:r>
-              <a:rPr kumimoji="0" lang="ja-JP" altLang="en-US" sz="1200" dirty="0">
-                <a:solidFill>
-                  <a:srgbClr val="000000"/>
-                </a:solidFill>
-                <a:latin typeface="Osaka−等幅"/>
-                <a:ea typeface="Osaka−等幅"/>
-                <a:cs typeface="HGP創英角ｺﾞｼｯｸUB" pitchFamily="50" charset="-128"/>
-              </a:rPr>
-              <a:t>は分からない。</a:t>
-            </a:r>
-          </a:p>
-        </p:txBody>
-      </p:sp>
-      <p:sp>
-        <p:nvSpPr>
-          <p:cNvPr id="8" name="AutoShape 7"/>
-          <p:cNvSpPr>
-            <a:spLocks noChangeArrowheads="1"/>
-          </p:cNvSpPr>
-          <p:nvPr/>
-        </p:nvSpPr>
-        <p:spPr bwMode="gray">
-          <a:xfrm>
-            <a:off x="4845050" y="2719388"/>
-            <a:ext cx="2530475" cy="2868612"/>
-          </a:xfrm>
-          <a:prstGeom prst="roundRect">
-            <a:avLst>
-              <a:gd name="adj" fmla="val 17509"/>
-            </a:avLst>
-          </a:prstGeom>
-          <a:gradFill rotWithShape="1">
-            <a:gsLst>
-              <a:gs pos="0">
-                <a:srgbClr val="66AF35"/>
-              </a:gs>
-              <a:gs pos="100000">
-                <a:srgbClr val="588D3D"/>
-              </a:gs>
-            </a:gsLst>
-            <a:lin ang="2700000" scaled="1"/>
-          </a:gradFill>
-          <a:ln w="9525">
-            <a:noFill/>
-            <a:round/>
-            <a:headEnd/>
-            <a:tailEnd/>
-          </a:ln>
-        </p:spPr>
-        <p:txBody>
-          <a:bodyPr wrap="none" anchor="ctr">
-            <a:prstTxWarp prst="textNoShape">
-              <a:avLst/>
-            </a:prstTxWarp>
-          </a:bodyPr>
-          <a:lstStyle/>
-          <a:p>
-            <a:endParaRPr lang="ja-JP" altLang="en-US">
-              <a:ea typeface="Osaka−等幅"/>
-            </a:endParaRPr>
-          </a:p>
-        </p:txBody>
-      </p:sp>
-      <p:sp>
-        <p:nvSpPr>
-          <p:cNvPr id="9" name="AutoShape 8"/>
-          <p:cNvSpPr>
-            <a:spLocks noChangeArrowheads="1"/>
-          </p:cNvSpPr>
-          <p:nvPr/>
-        </p:nvSpPr>
-        <p:spPr bwMode="gray">
-          <a:xfrm>
-            <a:off x="4878388" y="2727325"/>
-            <a:ext cx="2454275" cy="2814638"/>
-          </a:xfrm>
-          <a:prstGeom prst="roundRect">
-            <a:avLst>
-              <a:gd name="adj" fmla="val 16667"/>
-            </a:avLst>
-          </a:prstGeom>
-          <a:solidFill>
-            <a:srgbClr val="99D844"/>
-          </a:solidFill>
-          <a:ln w="9525">
-            <a:noFill/>
-            <a:round/>
-            <a:headEnd/>
-            <a:tailEnd/>
-          </a:ln>
-        </p:spPr>
-        <p:txBody>
-          <a:bodyPr wrap="none" anchor="ctr">
-            <a:prstTxWarp prst="textNoShape">
-              <a:avLst/>
-            </a:prstTxWarp>
-          </a:bodyPr>
-          <a:lstStyle/>
-          <a:p>
-            <a:endParaRPr lang="ja-JP" altLang="en-US">
-              <a:ea typeface="Osaka−等幅"/>
-            </a:endParaRPr>
-          </a:p>
-        </p:txBody>
-      </p:sp>
-      <p:sp>
-        <p:nvSpPr>
-          <p:cNvPr id="10" name="AutoShape 9"/>
-          <p:cNvSpPr>
-            <a:spLocks noChangeArrowheads="1"/>
-          </p:cNvSpPr>
-          <p:nvPr/>
-        </p:nvSpPr>
-        <p:spPr bwMode="gray">
-          <a:xfrm>
-            <a:off x="4895850" y="4805363"/>
-            <a:ext cx="2420938" cy="711200"/>
-          </a:xfrm>
-          <a:prstGeom prst="roundRect">
-            <a:avLst>
-              <a:gd name="adj" fmla="val 50000"/>
-            </a:avLst>
-          </a:prstGeom>
-          <a:gradFill rotWithShape="1">
-            <a:gsLst>
-              <a:gs pos="0">
-                <a:srgbClr val="99D844"/>
-              </a:gs>
-              <a:gs pos="100000">
-                <a:srgbClr val="C7EA99"/>
-              </a:gs>
-            </a:gsLst>
-            <a:lin ang="5400000" scaled="1"/>
-          </a:gradFill>
-          <a:ln w="9525">
-            <a:noFill/>
-            <a:round/>
-            <a:headEnd/>
-            <a:tailEnd/>
-          </a:ln>
-        </p:spPr>
-        <p:txBody>
-          <a:bodyPr wrap="none" anchor="ctr">
-            <a:prstTxWarp prst="textNoShape">
-              <a:avLst/>
-            </a:prstTxWarp>
-          </a:bodyPr>
-          <a:lstStyle/>
-          <a:p>
-            <a:endParaRPr lang="ja-JP" altLang="en-US">
-              <a:ea typeface="Osaka−等幅"/>
-            </a:endParaRPr>
-          </a:p>
-        </p:txBody>
-      </p:sp>
-      <p:sp>
-        <p:nvSpPr>
-          <p:cNvPr id="11" name="AutoShape 10"/>
-          <p:cNvSpPr>
-            <a:spLocks noChangeArrowheads="1"/>
-          </p:cNvSpPr>
-          <p:nvPr/>
-        </p:nvSpPr>
-        <p:spPr bwMode="gray">
-          <a:xfrm>
-            <a:off x="4891088" y="2755900"/>
-            <a:ext cx="2420937" cy="709613"/>
-          </a:xfrm>
-          <a:prstGeom prst="roundRect">
-            <a:avLst>
-              <a:gd name="adj" fmla="val 50000"/>
-            </a:avLst>
-          </a:prstGeom>
-          <a:gradFill rotWithShape="1">
-            <a:gsLst>
-              <a:gs pos="0">
-                <a:srgbClr val="DDF2C1"/>
-              </a:gs>
-              <a:gs pos="100000">
-                <a:srgbClr val="99D844"/>
-              </a:gs>
-            </a:gsLst>
-            <a:lin ang="5400000" scaled="1"/>
-          </a:gradFill>
-          <a:ln w="9525">
-            <a:noFill/>
-            <a:round/>
-            <a:headEnd/>
-            <a:tailEnd/>
-          </a:ln>
-        </p:spPr>
-        <p:txBody>
-          <a:bodyPr wrap="none" anchor="ctr">
-            <a:prstTxWarp prst="textNoShape">
-              <a:avLst/>
-            </a:prstTxWarp>
-          </a:bodyPr>
-          <a:lstStyle/>
-          <a:p>
-            <a:endParaRPr lang="ja-JP" altLang="en-US">
-              <a:ea typeface="Osaka−等幅"/>
-            </a:endParaRPr>
-          </a:p>
-        </p:txBody>
-      </p:sp>
-      <p:sp>
-        <p:nvSpPr>
-          <p:cNvPr id="12" name="Text Box 11"/>
-          <p:cNvSpPr txBox="1">
-            <a:spLocks noChangeArrowheads="1"/>
-          </p:cNvSpPr>
-          <p:nvPr/>
-        </p:nvSpPr>
-        <p:spPr bwMode="gray">
-          <a:xfrm>
-            <a:off x="4845050" y="3254375"/>
-            <a:ext cx="2509838" cy="1815882"/>
-          </a:xfrm>
-          <a:prstGeom prst="rect">
-            <a:avLst/>
-          </a:prstGeom>
-          <a:noFill/>
-          <a:ln w="9525">
-            <a:noFill/>
-            <a:miter lim="800000"/>
-            <a:headEnd/>
-            <a:tailEnd/>
-          </a:ln>
-        </p:spPr>
-        <p:txBody>
-          <a:bodyPr wrap="square">
-            <a:prstTxWarp prst="textNoShape">
-              <a:avLst/>
-            </a:prstTxWarp>
-            <a:spAutoFit/>
-          </a:bodyPr>
-          <a:lstStyle/>
-          <a:p>
-            <a:r>
-              <a:rPr lang="ja-JP" altLang="en-US" sz="1600" dirty="0" smtClean="0">
-                <a:latin typeface="Osaka−等幅"/>
-                <a:ea typeface="Osaka−等幅"/>
-                <a:cs typeface="HGP創英角ｺﾞｼｯｸUB" pitchFamily="50" charset="-128"/>
-              </a:rPr>
-              <a:t>不定数バインド変数</a:t>
-            </a:r>
-            <a:endParaRPr lang="en-US" altLang="ja-JP" sz="1600" dirty="0" smtClean="0">
-              <a:latin typeface="Osaka−等幅"/>
-              <a:ea typeface="Osaka−等幅"/>
-              <a:cs typeface="HGP創英角ｺﾞｼｯｸUB" pitchFamily="50" charset="-128"/>
-            </a:endParaRPr>
-          </a:p>
-          <a:p>
-            <a:pPr algn="l"/>
-            <a:endParaRPr lang="en-US" altLang="ja-JP" sz="1200" dirty="0">
-              <a:latin typeface="Osaka−等幅"/>
-              <a:ea typeface="Osaka−等幅"/>
-              <a:cs typeface="HGP創英角ｺﾞｼｯｸUB" pitchFamily="50" charset="-128"/>
-            </a:endParaRPr>
-          </a:p>
-          <a:p>
-            <a:pPr algn="l"/>
-            <a:r>
-              <a:rPr lang="en-US" altLang="ja-JP" sz="1200" dirty="0">
-                <a:latin typeface="Osaka−等幅"/>
-                <a:ea typeface="Osaka−等幅"/>
-                <a:cs typeface="HGP創英角ｺﾞｼｯｸUB" pitchFamily="50" charset="-128"/>
-              </a:rPr>
-              <a:t>■</a:t>
-            </a:r>
-            <a:r>
-              <a:rPr lang="ja-JP" altLang="en-US" sz="1200" dirty="0">
-                <a:latin typeface="Osaka−等幅"/>
-                <a:ea typeface="Osaka−等幅"/>
-                <a:cs typeface="HGP創英角ｺﾞｼｯｸUB" pitchFamily="50" charset="-128"/>
-              </a:rPr>
-              <a:t>動的に再解析する</a:t>
-            </a:r>
-            <a:r>
-              <a:rPr lang="ja-JP" altLang="en-US" sz="1200" dirty="0" smtClean="0">
-                <a:latin typeface="Osaka−等幅"/>
-                <a:ea typeface="Osaka−等幅"/>
-                <a:cs typeface="HGP創英角ｺﾞｼｯｸUB" pitchFamily="50" charset="-128"/>
-              </a:rPr>
-              <a:t>モード</a:t>
-            </a:r>
-            <a:endParaRPr lang="en-US" altLang="ja-JP" sz="1200" dirty="0" smtClean="0">
-              <a:latin typeface="Osaka−等幅"/>
-              <a:ea typeface="Osaka−等幅"/>
-              <a:cs typeface="HGP創英角ｺﾞｼｯｸUB" pitchFamily="50" charset="-128"/>
-            </a:endParaRPr>
-          </a:p>
-          <a:p>
-            <a:pPr algn="l"/>
-            <a:r>
-              <a:rPr lang="en-US" altLang="ja-JP" sz="1200" dirty="0">
-                <a:latin typeface="Osaka−等幅"/>
-                <a:ea typeface="Osaka−等幅"/>
-                <a:cs typeface="HGP創英角ｺﾞｼｯｸUB" pitchFamily="50" charset="-128"/>
-              </a:rPr>
-              <a:t>  (</a:t>
-            </a:r>
-            <a:r>
-              <a:rPr lang="ja-JP" altLang="en-US" sz="1200" dirty="0">
-                <a:latin typeface="Osaka−等幅"/>
-                <a:ea typeface="Osaka−等幅"/>
-                <a:cs typeface="HGP創英角ｺﾞｼｯｸUB" pitchFamily="50" charset="-128"/>
-              </a:rPr>
-              <a:t>選択式</a:t>
-            </a:r>
-            <a:r>
-              <a:rPr lang="en-US" altLang="ja-JP" sz="1200" dirty="0">
-                <a:latin typeface="Osaka−等幅"/>
-                <a:ea typeface="Osaka−等幅"/>
-                <a:cs typeface="HGP創英角ｺﾞｼｯｸUB" pitchFamily="50" charset="-128"/>
-              </a:rPr>
-              <a:t>)</a:t>
-            </a:r>
-          </a:p>
-          <a:p>
-            <a:pPr algn="l"/>
-            <a:endParaRPr lang="en-US" altLang="ja-JP" sz="600" dirty="0">
-              <a:latin typeface="Osaka−等幅"/>
-              <a:ea typeface="Osaka−等幅"/>
-              <a:cs typeface="HGP創英角ｺﾞｼｯｸUB" pitchFamily="50" charset="-128"/>
-            </a:endParaRPr>
-          </a:p>
-          <a:p>
-            <a:pPr algn="l"/>
-            <a:r>
-              <a:rPr lang="ja-JP" altLang="en-US" sz="1000" dirty="0">
-                <a:latin typeface="Osaka−等幅"/>
-                <a:ea typeface="Osaka−等幅"/>
-                <a:cs typeface="HGP創英角ｺﾞｼｯｸUB" pitchFamily="50" charset="-128"/>
-              </a:rPr>
-              <a:t>通常外だし</a:t>
-            </a:r>
-            <a:r>
-              <a:rPr lang="en-US" altLang="ja-JP" sz="1000" dirty="0">
-                <a:latin typeface="Osaka−等幅"/>
-                <a:ea typeface="Osaka−等幅"/>
-                <a:cs typeface="HGP創英角ｺﾞｼｯｸUB" pitchFamily="50" charset="-128"/>
-              </a:rPr>
-              <a:t>SQL</a:t>
-            </a:r>
-            <a:r>
-              <a:rPr lang="ja-JP" altLang="en-US" sz="1000" dirty="0">
-                <a:latin typeface="Osaka−等幅"/>
-                <a:ea typeface="Osaka−等幅"/>
-                <a:cs typeface="HGP創英角ｺﾞｼｯｸUB" pitchFamily="50" charset="-128"/>
-              </a:rPr>
-              <a:t>は「静的」なものなので、不定数に対応できない</a:t>
-            </a:r>
-            <a:endParaRPr lang="en-US" altLang="ja-JP" sz="1000" dirty="0">
-              <a:latin typeface="Osaka−等幅"/>
-              <a:ea typeface="Osaka−等幅"/>
-              <a:cs typeface="HGP創英角ｺﾞｼｯｸUB" pitchFamily="50" charset="-128"/>
-            </a:endParaRPr>
-          </a:p>
-          <a:p>
-            <a:pPr algn="l"/>
-            <a:endParaRPr lang="en-US" altLang="ja-JP" sz="1000" dirty="0">
-              <a:latin typeface="Osaka−等幅"/>
-              <a:ea typeface="Osaka−等幅"/>
-              <a:cs typeface="HGP創英角ｺﾞｼｯｸUB" pitchFamily="50" charset="-128"/>
-            </a:endParaRPr>
-          </a:p>
-          <a:p>
-            <a:pPr algn="l"/>
-            <a:r>
-              <a:rPr lang="en-US" altLang="ja-JP" sz="1200" dirty="0">
-                <a:latin typeface="Osaka−等幅"/>
-                <a:ea typeface="Osaka−等幅"/>
-                <a:cs typeface="HGP創英角ｺﾞｼｯｸUB" pitchFamily="50" charset="-128"/>
-              </a:rPr>
-              <a:t>■</a:t>
-            </a:r>
-            <a:r>
-              <a:rPr lang="ja-JP" altLang="en-US" sz="1200" dirty="0">
-                <a:latin typeface="Osaka−等幅"/>
-                <a:ea typeface="Osaka−等幅"/>
-                <a:cs typeface="HGP創英角ｺﾞｼｯｸUB" pitchFamily="50" charset="-128"/>
-              </a:rPr>
-              <a:t>いざという時の大きな逃げ道</a:t>
-            </a:r>
-            <a:endParaRPr lang="en-US" altLang="ja-JP" sz="1200" dirty="0">
-              <a:latin typeface="Osaka−等幅"/>
-              <a:ea typeface="Osaka−等幅"/>
-              <a:cs typeface="HGP創英角ｺﾞｼｯｸUB" pitchFamily="50" charset="-128"/>
-            </a:endParaRPr>
-          </a:p>
-          <a:p>
-            <a:pPr algn="l"/>
-            <a:endParaRPr lang="ja-JP" altLang="en-US" sz="1200" dirty="0">
-              <a:latin typeface="Osaka−等幅"/>
-              <a:ea typeface="Osaka−等幅"/>
-              <a:cs typeface="HGP創英角ｺﾞｼｯｸUB" pitchFamily="50" charset="-128"/>
-            </a:endParaRPr>
-          </a:p>
-        </p:txBody>
-      </p:sp>
-      <p:grpSp>
-        <p:nvGrpSpPr>
-          <p:cNvPr id="13" name="Group 19"/>
-          <p:cNvGrpSpPr>
-            <a:grpSpLocks/>
-          </p:cNvGrpSpPr>
-          <p:nvPr/>
-        </p:nvGrpSpPr>
-        <p:grpSpPr bwMode="auto">
-          <a:xfrm>
-            <a:off x="2909888" y="2414588"/>
-            <a:ext cx="642937" cy="627537"/>
-            <a:chOff x="1289" y="582"/>
-            <a:chExt cx="668" cy="652"/>
-          </a:xfrm>
-        </p:grpSpPr>
-        <p:sp>
-          <p:nvSpPr>
-            <p:cNvPr id="14" name="Oval 20"/>
-            <p:cNvSpPr>
-              <a:spLocks noChangeArrowheads="1"/>
-            </p:cNvSpPr>
-            <p:nvPr/>
-          </p:nvSpPr>
-          <p:spPr bwMode="gray">
-            <a:xfrm>
-              <a:off x="1289" y="582"/>
-              <a:ext cx="668" cy="540"/>
-            </a:xfrm>
-            <a:prstGeom prst="ellipse">
-              <a:avLst/>
-            </a:prstGeom>
-            <a:solidFill>
-              <a:srgbClr val="333333"/>
-            </a:solidFill>
-            <a:ln w="38100">
-              <a:noFill/>
-              <a:round/>
-              <a:headEnd/>
-              <a:tailEnd/>
-            </a:ln>
-          </p:spPr>
-          <p:txBody>
-            <a:bodyPr anchor="ctr">
-              <a:prstTxWarp prst="textNoShape">
-                <a:avLst/>
-              </a:prstTxWarp>
-              <a:spAutoFit/>
-            </a:bodyPr>
-            <a:lstStyle/>
-            <a:p>
-              <a:endParaRPr lang="ja-JP" altLang="en-US">
-                <a:ea typeface="Osaka−等幅"/>
-              </a:endParaRPr>
-            </a:p>
-          </p:txBody>
-        </p:sp>
-        <p:sp>
-          <p:nvSpPr>
-            <p:cNvPr id="15" name="Oval 21"/>
-            <p:cNvSpPr>
-              <a:spLocks noChangeArrowheads="1"/>
-            </p:cNvSpPr>
-            <p:nvPr/>
-          </p:nvSpPr>
-          <p:spPr bwMode="gray">
-            <a:xfrm>
-              <a:off x="1296" y="587"/>
-              <a:ext cx="646" cy="647"/>
-            </a:xfrm>
-            <a:prstGeom prst="ellipse">
-              <a:avLst/>
-            </a:prstGeom>
-            <a:gradFill rotWithShape="1">
-              <a:gsLst>
-                <a:gs pos="0">
-                  <a:srgbClr val="636869"/>
-                </a:gs>
-                <a:gs pos="100000">
-                  <a:srgbClr val="D6E1E2"/>
-                </a:gs>
-              </a:gsLst>
-              <a:lin ang="5400000" scaled="1"/>
-            </a:gradFill>
-            <a:ln w="9525">
-              <a:noFill/>
-              <a:round/>
-              <a:headEnd/>
-              <a:tailEnd/>
-            </a:ln>
-          </p:spPr>
-          <p:txBody>
-            <a:bodyPr vert="eaVert" wrap="none" anchor="ctr">
-              <a:prstTxWarp prst="textNoShape">
-                <a:avLst/>
-              </a:prstTxWarp>
-            </a:bodyPr>
-            <a:lstStyle/>
-            <a:p>
-              <a:endParaRPr lang="ja-JP" altLang="en-US">
-                <a:ea typeface="Osaka−等幅"/>
-              </a:endParaRPr>
-            </a:p>
-          </p:txBody>
-        </p:sp>
-        <p:sp>
-          <p:nvSpPr>
-            <p:cNvPr id="16" name="Oval 22"/>
-            <p:cNvSpPr>
-              <a:spLocks noChangeArrowheads="1"/>
-            </p:cNvSpPr>
-            <p:nvPr/>
-          </p:nvSpPr>
-          <p:spPr bwMode="gray">
-            <a:xfrm>
-              <a:off x="1304" y="591"/>
-              <a:ext cx="631" cy="631"/>
-            </a:xfrm>
-            <a:prstGeom prst="ellipse">
-              <a:avLst/>
-            </a:prstGeom>
-            <a:gradFill rotWithShape="1">
-              <a:gsLst>
-                <a:gs pos="0">
-                  <a:srgbClr val="D6E1E2">
-                    <a:alpha val="0"/>
-                  </a:srgbClr>
-                </a:gs>
-                <a:gs pos="100000">
-                  <a:srgbClr val="F1F5F5"/>
-                </a:gs>
-              </a:gsLst>
-              <a:lin ang="5400000" scaled="1"/>
-            </a:gradFill>
-            <a:ln w="9525">
-              <a:noFill/>
-              <a:round/>
-              <a:headEnd/>
-              <a:tailEnd/>
-            </a:ln>
-          </p:spPr>
-          <p:txBody>
-            <a:bodyPr vert="eaVert" wrap="none" anchor="ctr">
-              <a:prstTxWarp prst="textNoShape">
-                <a:avLst/>
-              </a:prstTxWarp>
-            </a:bodyPr>
-            <a:lstStyle/>
-            <a:p>
-              <a:endParaRPr lang="ja-JP" altLang="en-US">
-                <a:ea typeface="Osaka−等幅"/>
-              </a:endParaRPr>
-            </a:p>
-          </p:txBody>
-        </p:sp>
-        <p:sp>
-          <p:nvSpPr>
-            <p:cNvPr id="17" name="Oval 23"/>
-            <p:cNvSpPr>
-              <a:spLocks noChangeArrowheads="1"/>
-            </p:cNvSpPr>
-            <p:nvPr/>
-          </p:nvSpPr>
-          <p:spPr bwMode="gray">
-            <a:xfrm>
-              <a:off x="1311" y="597"/>
-              <a:ext cx="600" cy="589"/>
-            </a:xfrm>
-            <a:prstGeom prst="ellipse">
-              <a:avLst/>
-            </a:prstGeom>
-            <a:gradFill rotWithShape="1">
-              <a:gsLst>
-                <a:gs pos="0">
-                  <a:srgbClr val="AAB2B3"/>
-                </a:gs>
-                <a:gs pos="100000">
-                  <a:srgbClr val="D6E1E2">
-                    <a:alpha val="48000"/>
-                  </a:srgbClr>
-                </a:gs>
-              </a:gsLst>
-              <a:lin ang="5400000" scaled="1"/>
-            </a:gradFill>
-            <a:ln w="9525">
-              <a:noFill/>
-              <a:round/>
-              <a:headEnd/>
-              <a:tailEnd/>
-            </a:ln>
-          </p:spPr>
-          <p:txBody>
-            <a:bodyPr vert="eaVert" wrap="none" anchor="ctr">
-              <a:prstTxWarp prst="textNoShape">
-                <a:avLst/>
-              </a:prstTxWarp>
-            </a:bodyPr>
-            <a:lstStyle/>
-            <a:p>
-              <a:endParaRPr lang="ja-JP" altLang="en-US">
-                <a:ea typeface="Osaka−等幅"/>
-              </a:endParaRPr>
-            </a:p>
-          </p:txBody>
-        </p:sp>
-        <p:sp>
-          <p:nvSpPr>
-            <p:cNvPr id="18" name="Oval 24"/>
-            <p:cNvSpPr>
-              <a:spLocks noChangeArrowheads="1"/>
-            </p:cNvSpPr>
-            <p:nvPr/>
-          </p:nvSpPr>
-          <p:spPr bwMode="gray">
-            <a:xfrm>
-              <a:off x="1346" y="613"/>
-              <a:ext cx="533" cy="479"/>
-            </a:xfrm>
-            <a:prstGeom prst="ellipse">
-              <a:avLst/>
-            </a:prstGeom>
-            <a:gradFill rotWithShape="1">
-              <a:gsLst>
-                <a:gs pos="0">
-                  <a:srgbClr val="FFFFFF"/>
-                </a:gs>
-                <a:gs pos="100000">
-                  <a:srgbClr val="D6E1E2">
-                    <a:alpha val="37999"/>
-                  </a:srgbClr>
-                </a:gs>
-              </a:gsLst>
-              <a:lin ang="5400000" scaled="1"/>
-            </a:gradFill>
-            <a:ln w="9525">
-              <a:noFill/>
-              <a:round/>
-              <a:headEnd/>
-              <a:tailEnd/>
-            </a:ln>
-          </p:spPr>
-          <p:txBody>
-            <a:bodyPr vert="eaVert" wrap="none" anchor="ctr">
-              <a:prstTxWarp prst="textNoShape">
-                <a:avLst/>
-              </a:prstTxWarp>
-            </a:bodyPr>
-            <a:lstStyle/>
-            <a:p>
-              <a:endParaRPr lang="ja-JP" altLang="en-US">
-                <a:ea typeface="Osaka−等幅"/>
-              </a:endParaRPr>
-            </a:p>
-          </p:txBody>
-        </p:sp>
-      </p:grpSp>
-      <p:sp>
-        <p:nvSpPr>
-          <p:cNvPr id="19" name="Text Box 25"/>
-          <p:cNvSpPr txBox="1">
-            <a:spLocks noChangeArrowheads="1"/>
-          </p:cNvSpPr>
-          <p:nvPr/>
-        </p:nvSpPr>
-        <p:spPr bwMode="gray">
-          <a:xfrm>
-            <a:off x="3048000" y="2506663"/>
-            <a:ext cx="354013" cy="457200"/>
-          </a:xfrm>
-          <a:prstGeom prst="rect">
-            <a:avLst/>
-          </a:prstGeom>
-          <a:noFill/>
-          <a:ln w="9525">
-            <a:noFill/>
-            <a:miter lim="800000"/>
-            <a:headEnd/>
-            <a:tailEnd/>
-          </a:ln>
-        </p:spPr>
-        <p:txBody>
-          <a:bodyPr wrap="none">
-            <a:prstTxWarp prst="textNoShape">
-              <a:avLst/>
-            </a:prstTxWarp>
-            <a:spAutoFit/>
-          </a:bodyPr>
-          <a:lstStyle/>
-          <a:p>
-            <a:pPr eaLnBrk="0" hangingPunct="0"/>
-            <a:r>
-              <a:rPr kumimoji="0" lang="en-US" altLang="ja-JP" sz="2400">
-                <a:solidFill>
-                  <a:srgbClr val="000000"/>
-                </a:solidFill>
-                <a:latin typeface="Arial" charset="0"/>
-                <a:ea typeface="Osaka−等幅"/>
-              </a:rPr>
-              <a:t>1</a:t>
-            </a:r>
-          </a:p>
-        </p:txBody>
-      </p:sp>
-      <p:sp>
-        <p:nvSpPr>
-          <p:cNvPr id="20" name="Oval 26"/>
-          <p:cNvSpPr>
-            <a:spLocks noChangeArrowheads="1"/>
-          </p:cNvSpPr>
-          <p:nvPr/>
-        </p:nvSpPr>
-        <p:spPr bwMode="gray">
-          <a:xfrm>
-            <a:off x="5791200" y="2411413"/>
-            <a:ext cx="642938" cy="519351"/>
-          </a:xfrm>
-          <a:prstGeom prst="ellipse">
-            <a:avLst/>
-          </a:prstGeom>
-          <a:solidFill>
-            <a:srgbClr val="333333"/>
-          </a:solidFill>
-          <a:ln w="38100">
-            <a:noFill/>
-            <a:round/>
-            <a:headEnd/>
-            <a:tailEnd/>
-          </a:ln>
-        </p:spPr>
-        <p:txBody>
-          <a:bodyPr anchor="ctr">
-            <a:prstTxWarp prst="textNoShape">
-              <a:avLst/>
-            </a:prstTxWarp>
-            <a:spAutoFit/>
-          </a:bodyPr>
-          <a:lstStyle/>
-          <a:p>
-            <a:endParaRPr lang="ja-JP" altLang="en-US">
-              <a:ea typeface="Osaka−等幅"/>
-            </a:endParaRPr>
-          </a:p>
-        </p:txBody>
-      </p:sp>
-      <p:sp>
-        <p:nvSpPr>
-          <p:cNvPr id="21" name="Oval 27"/>
-          <p:cNvSpPr>
-            <a:spLocks noChangeArrowheads="1"/>
-          </p:cNvSpPr>
-          <p:nvPr/>
-        </p:nvSpPr>
-        <p:spPr bwMode="gray">
-          <a:xfrm>
-            <a:off x="5797550" y="2416175"/>
-            <a:ext cx="622300" cy="622300"/>
-          </a:xfrm>
-          <a:prstGeom prst="ellipse">
-            <a:avLst/>
-          </a:prstGeom>
-          <a:gradFill rotWithShape="1">
-            <a:gsLst>
-              <a:gs pos="0">
-                <a:srgbClr val="636869"/>
-              </a:gs>
-              <a:gs pos="100000">
-                <a:srgbClr val="D6E1E2"/>
-              </a:gs>
-            </a:gsLst>
-            <a:lin ang="5400000" scaled="1"/>
-          </a:gradFill>
-          <a:ln w="9525">
-            <a:noFill/>
-            <a:round/>
-            <a:headEnd/>
-            <a:tailEnd/>
-          </a:ln>
-        </p:spPr>
-        <p:txBody>
-          <a:bodyPr vert="eaVert" wrap="none" anchor="ctr">
-            <a:prstTxWarp prst="textNoShape">
-              <a:avLst/>
-            </a:prstTxWarp>
-          </a:bodyPr>
-          <a:lstStyle/>
-          <a:p>
-            <a:endParaRPr lang="ja-JP" altLang="en-US">
-              <a:ea typeface="Osaka−等幅"/>
-            </a:endParaRPr>
-          </a:p>
-        </p:txBody>
-      </p:sp>
-      <p:sp>
-        <p:nvSpPr>
-          <p:cNvPr id="22" name="Oval 28"/>
-          <p:cNvSpPr>
-            <a:spLocks noChangeArrowheads="1"/>
-          </p:cNvSpPr>
-          <p:nvPr/>
-        </p:nvSpPr>
-        <p:spPr bwMode="gray">
-          <a:xfrm>
-            <a:off x="5805488" y="2419350"/>
-            <a:ext cx="608012" cy="608013"/>
-          </a:xfrm>
-          <a:prstGeom prst="ellipse">
-            <a:avLst/>
-          </a:prstGeom>
-          <a:gradFill rotWithShape="1">
-            <a:gsLst>
-              <a:gs pos="0">
-                <a:srgbClr val="D6E1E2">
-                  <a:alpha val="0"/>
-                </a:srgbClr>
-              </a:gs>
-              <a:gs pos="100000">
-                <a:srgbClr val="F1F5F5"/>
-              </a:gs>
-            </a:gsLst>
-            <a:lin ang="5400000" scaled="1"/>
-          </a:gradFill>
-          <a:ln w="9525">
-            <a:noFill/>
-            <a:round/>
-            <a:headEnd/>
-            <a:tailEnd/>
-          </a:ln>
-        </p:spPr>
-        <p:txBody>
-          <a:bodyPr vert="eaVert" wrap="none" anchor="ctr">
-            <a:prstTxWarp prst="textNoShape">
-              <a:avLst/>
-            </a:prstTxWarp>
-          </a:bodyPr>
-          <a:lstStyle/>
-          <a:p>
-            <a:endParaRPr lang="ja-JP" altLang="en-US">
-              <a:ea typeface="Osaka−等幅"/>
-            </a:endParaRPr>
-          </a:p>
-        </p:txBody>
-      </p:sp>
-      <p:sp>
-        <p:nvSpPr>
-          <p:cNvPr id="23" name="Oval 29"/>
-          <p:cNvSpPr>
-            <a:spLocks noChangeArrowheads="1"/>
-          </p:cNvSpPr>
-          <p:nvPr/>
-        </p:nvSpPr>
-        <p:spPr bwMode="gray">
-          <a:xfrm>
-            <a:off x="5811838" y="2425700"/>
-            <a:ext cx="577850" cy="566738"/>
-          </a:xfrm>
-          <a:prstGeom prst="ellipse">
-            <a:avLst/>
-          </a:prstGeom>
-          <a:gradFill rotWithShape="1">
-            <a:gsLst>
-              <a:gs pos="0">
-                <a:srgbClr val="AAB2B3"/>
-              </a:gs>
-              <a:gs pos="100000">
-                <a:srgbClr val="D6E1E2">
-                  <a:alpha val="48000"/>
-                </a:srgbClr>
-              </a:gs>
-            </a:gsLst>
-            <a:lin ang="5400000" scaled="1"/>
-          </a:gradFill>
-          <a:ln w="9525">
-            <a:noFill/>
-            <a:round/>
-            <a:headEnd/>
-            <a:tailEnd/>
-          </a:ln>
-        </p:spPr>
-        <p:txBody>
-          <a:bodyPr vert="eaVert" wrap="none" anchor="ctr">
-            <a:prstTxWarp prst="textNoShape">
-              <a:avLst/>
-            </a:prstTxWarp>
-          </a:bodyPr>
-          <a:lstStyle/>
-          <a:p>
-            <a:endParaRPr lang="ja-JP" altLang="en-US">
-              <a:ea typeface="Osaka−等幅"/>
-            </a:endParaRPr>
-          </a:p>
-        </p:txBody>
-      </p:sp>
-      <p:sp>
-        <p:nvSpPr>
-          <p:cNvPr id="24" name="Oval 30"/>
-          <p:cNvSpPr>
-            <a:spLocks noChangeArrowheads="1"/>
-          </p:cNvSpPr>
-          <p:nvPr/>
-        </p:nvSpPr>
-        <p:spPr bwMode="gray">
-          <a:xfrm>
-            <a:off x="5846763" y="2441575"/>
-            <a:ext cx="512762" cy="460375"/>
-          </a:xfrm>
-          <a:prstGeom prst="ellipse">
-            <a:avLst/>
-          </a:prstGeom>
-          <a:gradFill rotWithShape="1">
-            <a:gsLst>
-              <a:gs pos="0">
-                <a:srgbClr val="FFFFFF"/>
-              </a:gs>
-              <a:gs pos="100000">
-                <a:srgbClr val="D6E1E2">
-                  <a:alpha val="37999"/>
-                </a:srgbClr>
-              </a:gs>
-            </a:gsLst>
-            <a:lin ang="5400000" scaled="1"/>
-          </a:gradFill>
-          <a:ln w="9525">
-            <a:noFill/>
-            <a:round/>
-            <a:headEnd/>
-            <a:tailEnd/>
-          </a:ln>
-        </p:spPr>
-        <p:txBody>
-          <a:bodyPr vert="eaVert" wrap="none" anchor="ctr">
-            <a:prstTxWarp prst="textNoShape">
-              <a:avLst/>
-            </a:prstTxWarp>
-          </a:bodyPr>
-          <a:lstStyle/>
-          <a:p>
-            <a:endParaRPr lang="ja-JP" altLang="en-US">
-              <a:ea typeface="Osaka−等幅"/>
-            </a:endParaRPr>
-          </a:p>
-        </p:txBody>
-      </p:sp>
-      <p:sp>
-        <p:nvSpPr>
-          <p:cNvPr id="25" name="Text Box 31"/>
-          <p:cNvSpPr txBox="1">
-            <a:spLocks noChangeArrowheads="1"/>
-          </p:cNvSpPr>
-          <p:nvPr/>
-        </p:nvSpPr>
-        <p:spPr bwMode="gray">
-          <a:xfrm>
-            <a:off x="5929313" y="2503488"/>
-            <a:ext cx="354012" cy="457200"/>
-          </a:xfrm>
-          <a:prstGeom prst="rect">
-            <a:avLst/>
-          </a:prstGeom>
-          <a:noFill/>
-          <a:ln w="9525">
-            <a:noFill/>
-            <a:miter lim="800000"/>
-            <a:headEnd/>
-            <a:tailEnd/>
-          </a:ln>
-        </p:spPr>
-        <p:txBody>
-          <a:bodyPr wrap="none">
-            <a:prstTxWarp prst="textNoShape">
-              <a:avLst/>
-            </a:prstTxWarp>
-            <a:spAutoFit/>
-          </a:bodyPr>
-          <a:lstStyle/>
-          <a:p>
-            <a:pPr eaLnBrk="0" hangingPunct="0"/>
-            <a:r>
-              <a:rPr kumimoji="0" lang="en-US" altLang="ja-JP" sz="2400">
-                <a:solidFill>
-                  <a:srgbClr val="000000"/>
-                </a:solidFill>
-                <a:latin typeface="Arial" charset="0"/>
-                <a:ea typeface="Osaka−等幅"/>
-              </a:rPr>
-              <a:t>2</a:t>
-            </a:r>
-          </a:p>
-        </p:txBody>
-      </p:sp>
-      <p:sp>
-        <p:nvSpPr>
-          <p:cNvPr id="26" name="AutoShape 39"/>
+          <p:cNvPr id="25602" name="AutoShape 39"/>
           <p:cNvSpPr>
             <a:spLocks noChangeArrowheads="1"/>
           </p:cNvSpPr>
@@ -12675,11 +11298,7 @@
           </a:ln>
         </p:spPr>
         <p:txBody>
-          <a:bodyPr wrap="none" anchor="ctr">
-            <a:prstTxWarp prst="textNoShape">
-              <a:avLst/>
-            </a:prstTxWarp>
-          </a:bodyPr>
+          <a:bodyPr wrap="none" anchor="ctr"/>
           <a:lstStyle/>
           <a:p>
             <a:pPr eaLnBrk="0" hangingPunct="0"/>
@@ -12715,6 +11334,2100 @@
                 <a:cs typeface="HGS創英角ｺﾞｼｯｸUB" pitchFamily="50" charset="-128"/>
               </a:rPr>
               <a:t>2WaySQL</a:t>
+            </a:r>
+          </a:p>
+        </p:txBody>
+      </p:sp>
+      <p:sp>
+        <p:nvSpPr>
+          <p:cNvPr id="25603" name="AutoShape 86"/>
+          <p:cNvSpPr>
+            <a:spLocks noChangeArrowheads="1"/>
+          </p:cNvSpPr>
+          <p:nvPr/>
+        </p:nvSpPr>
+        <p:spPr bwMode="gray">
+          <a:xfrm>
+            <a:off x="914400" y="2582863"/>
+            <a:ext cx="2330450" cy="2505075"/>
+          </a:xfrm>
+          <a:prstGeom prst="roundRect">
+            <a:avLst>
+              <a:gd name="adj" fmla="val 17509"/>
+            </a:avLst>
+          </a:prstGeom>
+          <a:gradFill rotWithShape="1">
+            <a:gsLst>
+              <a:gs pos="0">
+                <a:srgbClr val="4E91D4"/>
+              </a:gs>
+              <a:gs pos="100000">
+                <a:srgbClr val="3477A4"/>
+              </a:gs>
+            </a:gsLst>
+            <a:lin ang="2700000" scaled="1"/>
+          </a:gradFill>
+          <a:ln w="9525">
+            <a:noFill/>
+            <a:round/>
+            <a:headEnd/>
+            <a:tailEnd/>
+          </a:ln>
+        </p:spPr>
+        <p:txBody>
+          <a:bodyPr wrap="none" anchor="ctr"/>
+          <a:lstStyle/>
+          <a:p>
+            <a:endParaRPr lang="ja-JP" altLang="en-US">
+              <a:latin typeface="メイリオ"/>
+              <a:ea typeface="Osaka−等幅"/>
+              <a:cs typeface="Osaka−等幅"/>
+            </a:endParaRPr>
+          </a:p>
+        </p:txBody>
+      </p:sp>
+      <p:sp>
+        <p:nvSpPr>
+          <p:cNvPr id="25604" name="AutoShape 87"/>
+          <p:cNvSpPr>
+            <a:spLocks noChangeArrowheads="1"/>
+          </p:cNvSpPr>
+          <p:nvPr/>
+        </p:nvSpPr>
+        <p:spPr bwMode="gray">
+          <a:xfrm>
+            <a:off x="914400" y="2609850"/>
+            <a:ext cx="2330450" cy="2460625"/>
+          </a:xfrm>
+          <a:prstGeom prst="roundRect">
+            <a:avLst>
+              <a:gd name="adj" fmla="val 16667"/>
+            </a:avLst>
+          </a:prstGeom>
+          <a:solidFill>
+            <a:srgbClr val="3CA1E6"/>
+          </a:solidFill>
+          <a:ln w="9525">
+            <a:noFill/>
+            <a:round/>
+            <a:headEnd/>
+            <a:tailEnd/>
+          </a:ln>
+        </p:spPr>
+        <p:txBody>
+          <a:bodyPr wrap="none" anchor="ctr"/>
+          <a:lstStyle/>
+          <a:p>
+            <a:endParaRPr lang="ja-JP" altLang="en-US">
+              <a:latin typeface="メイリオ"/>
+              <a:ea typeface="Osaka−等幅"/>
+              <a:cs typeface="Osaka−等幅"/>
+            </a:endParaRPr>
+          </a:p>
+        </p:txBody>
+      </p:sp>
+      <p:sp>
+        <p:nvSpPr>
+          <p:cNvPr id="25605" name="AutoShape 88"/>
+          <p:cNvSpPr>
+            <a:spLocks noChangeArrowheads="1"/>
+          </p:cNvSpPr>
+          <p:nvPr/>
+        </p:nvSpPr>
+        <p:spPr bwMode="gray">
+          <a:xfrm>
+            <a:off x="914400" y="4400550"/>
+            <a:ext cx="2330450" cy="687388"/>
+          </a:xfrm>
+          <a:prstGeom prst="roundRect">
+            <a:avLst>
+              <a:gd name="adj" fmla="val 50000"/>
+            </a:avLst>
+          </a:prstGeom>
+          <a:gradFill rotWithShape="1">
+            <a:gsLst>
+              <a:gs pos="0">
+                <a:srgbClr val="3CA1E6">
+                  <a:alpha val="0"/>
+                </a:srgbClr>
+              </a:gs>
+              <a:gs pos="100000">
+                <a:srgbClr val="9BCFF2"/>
+              </a:gs>
+            </a:gsLst>
+            <a:lin ang="5400000" scaled="1"/>
+          </a:gradFill>
+          <a:ln w="9525">
+            <a:noFill/>
+            <a:round/>
+            <a:headEnd/>
+            <a:tailEnd/>
+          </a:ln>
+        </p:spPr>
+        <p:txBody>
+          <a:bodyPr wrap="none" anchor="ctr"/>
+          <a:lstStyle/>
+          <a:p>
+            <a:endParaRPr lang="ja-JP" altLang="en-US">
+              <a:latin typeface="メイリオ"/>
+              <a:ea typeface="Osaka−等幅"/>
+              <a:cs typeface="Osaka−等幅"/>
+            </a:endParaRPr>
+          </a:p>
+        </p:txBody>
+      </p:sp>
+      <p:sp>
+        <p:nvSpPr>
+          <p:cNvPr id="25606" name="AutoShape 89"/>
+          <p:cNvSpPr>
+            <a:spLocks noChangeArrowheads="1"/>
+          </p:cNvSpPr>
+          <p:nvPr/>
+        </p:nvSpPr>
+        <p:spPr bwMode="gray">
+          <a:xfrm>
+            <a:off x="914400" y="2576513"/>
+            <a:ext cx="2330450" cy="654050"/>
+          </a:xfrm>
+          <a:prstGeom prst="roundRect">
+            <a:avLst>
+              <a:gd name="adj" fmla="val 50000"/>
+            </a:avLst>
+          </a:prstGeom>
+          <a:gradFill rotWithShape="1">
+            <a:gsLst>
+              <a:gs pos="0">
+                <a:srgbClr val="BEE0F7"/>
+              </a:gs>
+              <a:gs pos="100000">
+                <a:srgbClr val="3CA1E6">
+                  <a:alpha val="0"/>
+                </a:srgbClr>
+              </a:gs>
+            </a:gsLst>
+            <a:lin ang="5400000" scaled="1"/>
+          </a:gradFill>
+          <a:ln w="9525">
+            <a:noFill/>
+            <a:round/>
+            <a:headEnd/>
+            <a:tailEnd/>
+          </a:ln>
+        </p:spPr>
+        <p:txBody>
+          <a:bodyPr wrap="none" anchor="ctr"/>
+          <a:lstStyle/>
+          <a:p>
+            <a:endParaRPr lang="ja-JP" altLang="en-US">
+              <a:latin typeface="メイリオ"/>
+              <a:ea typeface="Osaka−等幅"/>
+              <a:cs typeface="Osaka−等幅"/>
+            </a:endParaRPr>
+          </a:p>
+        </p:txBody>
+      </p:sp>
+      <p:sp>
+        <p:nvSpPr>
+          <p:cNvPr id="25607" name="Text Box 99"/>
+          <p:cNvSpPr txBox="1">
+            <a:spLocks noChangeArrowheads="1"/>
+          </p:cNvSpPr>
+          <p:nvPr/>
+        </p:nvSpPr>
+        <p:spPr bwMode="gray">
+          <a:xfrm>
+            <a:off x="914400" y="2982913"/>
+            <a:ext cx="2300288" cy="1292662"/>
+          </a:xfrm>
+          <a:prstGeom prst="rect">
+            <a:avLst/>
+          </a:prstGeom>
+          <a:noFill/>
+          <a:ln w="9525">
+            <a:noFill/>
+            <a:miter lim="800000"/>
+            <a:headEnd/>
+            <a:tailEnd/>
+          </a:ln>
+        </p:spPr>
+        <p:txBody>
+          <a:bodyPr>
+            <a:spAutoFit/>
+          </a:bodyPr>
+          <a:lstStyle/>
+          <a:p>
+            <a:pPr algn="ctr" eaLnBrk="0" hangingPunct="0"/>
+            <a:r>
+              <a:rPr kumimoji="0" lang="ja-JP" altLang="en-US" sz="1600" dirty="0">
+                <a:solidFill>
+                  <a:srgbClr val="000000"/>
+                </a:solidFill>
+                <a:latin typeface="メイリオ"/>
+                <a:ea typeface="Osaka−等幅"/>
+                <a:cs typeface="HGP創英角ｺﾞｼｯｸUB" pitchFamily="50" charset="-128"/>
+              </a:rPr>
+              <a:t>エラーメッセージ</a:t>
+            </a:r>
+          </a:p>
+          <a:p>
+            <a:pPr algn="ctr" eaLnBrk="0" hangingPunct="0"/>
+            <a:r>
+              <a:rPr kumimoji="0" lang="ja-JP" altLang="en-US" sz="1600" dirty="0">
+                <a:solidFill>
+                  <a:srgbClr val="000000"/>
+                </a:solidFill>
+                <a:latin typeface="メイリオ"/>
+                <a:ea typeface="Osaka−等幅"/>
+                <a:cs typeface="HGP創英角ｺﾞｼｯｸUB" pitchFamily="50" charset="-128"/>
+              </a:rPr>
+              <a:t>を徹底</a:t>
+            </a:r>
+            <a:endParaRPr kumimoji="0" lang="en-US" altLang="ja-JP" sz="1600" dirty="0">
+              <a:solidFill>
+                <a:srgbClr val="000000"/>
+              </a:solidFill>
+              <a:latin typeface="メイリオ"/>
+              <a:ea typeface="Osaka−等幅"/>
+              <a:cs typeface="HGP創英角ｺﾞｼｯｸUB" pitchFamily="50" charset="-128"/>
+            </a:endParaRPr>
+          </a:p>
+          <a:p>
+            <a:pPr eaLnBrk="0" hangingPunct="0"/>
+            <a:endParaRPr kumimoji="0" lang="en-US" altLang="ja-JP" sz="1000" dirty="0">
+              <a:solidFill>
+                <a:srgbClr val="000000"/>
+              </a:solidFill>
+              <a:latin typeface="メイリオ"/>
+              <a:ea typeface="Osaka−等幅"/>
+              <a:cs typeface="HGP創英角ｺﾞｼｯｸUB" pitchFamily="50" charset="-128"/>
+            </a:endParaRPr>
+          </a:p>
+          <a:p>
+            <a:pPr eaLnBrk="0" hangingPunct="0"/>
+            <a:r>
+              <a:rPr kumimoji="0" lang="en-US" altLang="ja-JP" sz="1200" dirty="0">
+                <a:solidFill>
+                  <a:srgbClr val="000000"/>
+                </a:solidFill>
+                <a:latin typeface="メイリオ"/>
+                <a:ea typeface="Osaka−等幅"/>
+                <a:cs typeface="HGP創英角ｺﾞｼｯｸUB" pitchFamily="50" charset="-128"/>
+              </a:rPr>
+              <a:t>■</a:t>
+            </a:r>
+            <a:r>
+              <a:rPr kumimoji="0" lang="ja-JP" altLang="en-US" sz="1200" dirty="0">
+                <a:solidFill>
+                  <a:srgbClr val="000000"/>
+                </a:solidFill>
+                <a:latin typeface="メイリオ"/>
+                <a:ea typeface="Osaka−等幅"/>
+                <a:cs typeface="HGP創英角ｺﾞｼｯｸUB" pitchFamily="50" charset="-128"/>
+              </a:rPr>
+              <a:t>タイプセーフでないので</a:t>
+            </a:r>
+          </a:p>
+          <a:p>
+            <a:pPr eaLnBrk="0" hangingPunct="0"/>
+            <a:r>
+              <a:rPr kumimoji="0" lang="ja-JP" altLang="en-US" sz="1200" dirty="0">
+                <a:solidFill>
+                  <a:srgbClr val="000000"/>
+                </a:solidFill>
+                <a:latin typeface="メイリオ"/>
+                <a:ea typeface="Osaka−等幅"/>
+                <a:cs typeface="HGP創英角ｺﾞｼｯｸUB" pitchFamily="50" charset="-128"/>
+              </a:rPr>
+              <a:t>　デバッグのために</a:t>
+            </a:r>
+            <a:r>
+              <a:rPr kumimoji="0" lang="ja-JP" altLang="en-US" sz="1200" dirty="0" smtClean="0">
+                <a:solidFill>
+                  <a:srgbClr val="000000"/>
+                </a:solidFill>
+                <a:latin typeface="メイリオ"/>
+                <a:ea typeface="Osaka−等幅"/>
+                <a:cs typeface="HGP創英角ｺﾞｼｯｸUB" pitchFamily="50" charset="-128"/>
+              </a:rPr>
+              <a:t>とても</a:t>
+            </a:r>
+            <a:endParaRPr kumimoji="0" lang="en-US" altLang="ja-JP" sz="1200" dirty="0" smtClean="0">
+              <a:solidFill>
+                <a:srgbClr val="000000"/>
+              </a:solidFill>
+              <a:latin typeface="メイリオ"/>
+              <a:ea typeface="Osaka−等幅"/>
+              <a:cs typeface="HGP創英角ｺﾞｼｯｸUB" pitchFamily="50" charset="-128"/>
+            </a:endParaRPr>
+          </a:p>
+          <a:p>
+            <a:pPr eaLnBrk="0" hangingPunct="0"/>
+            <a:r>
+              <a:rPr kumimoji="0" lang="ja-JP" altLang="ja-JP" sz="1200" dirty="0" smtClean="0">
+                <a:solidFill>
+                  <a:srgbClr val="000000"/>
+                </a:solidFill>
+                <a:latin typeface="メイリオ"/>
+                <a:ea typeface="Osaka−等幅"/>
+                <a:cs typeface="HGP創英角ｺﾞｼｯｸUB" pitchFamily="50" charset="-128"/>
+              </a:rPr>
+              <a:t>　</a:t>
+            </a:r>
+            <a:r>
+              <a:rPr kumimoji="0" lang="ja-JP" altLang="en-US" sz="1200" dirty="0" smtClean="0">
+                <a:solidFill>
+                  <a:srgbClr val="000000"/>
+                </a:solidFill>
+                <a:latin typeface="メイリオ"/>
+                <a:ea typeface="Osaka−等幅"/>
+                <a:cs typeface="HGP創英角ｺﾞｼｯｸUB" pitchFamily="50" charset="-128"/>
+              </a:rPr>
+              <a:t>重要</a:t>
+            </a:r>
+            <a:endParaRPr kumimoji="0" lang="en-US" altLang="ja-JP" sz="1200" dirty="0">
+              <a:solidFill>
+                <a:srgbClr val="000000"/>
+              </a:solidFill>
+              <a:latin typeface="メイリオ"/>
+              <a:ea typeface="Osaka−等幅"/>
+              <a:cs typeface="HGP創英角ｺﾞｼｯｸUB" pitchFamily="50" charset="-128"/>
+            </a:endParaRPr>
+          </a:p>
+        </p:txBody>
+      </p:sp>
+      <p:sp>
+        <p:nvSpPr>
+          <p:cNvPr id="25608" name="AutoShape 101"/>
+          <p:cNvSpPr>
+            <a:spLocks noChangeArrowheads="1"/>
+          </p:cNvSpPr>
+          <p:nvPr/>
+        </p:nvSpPr>
+        <p:spPr bwMode="gray">
+          <a:xfrm>
+            <a:off x="3343275" y="2609850"/>
+            <a:ext cx="2352675" cy="2506663"/>
+          </a:xfrm>
+          <a:prstGeom prst="roundRect">
+            <a:avLst>
+              <a:gd name="adj" fmla="val 17509"/>
+            </a:avLst>
+          </a:prstGeom>
+          <a:gradFill rotWithShape="1">
+            <a:gsLst>
+              <a:gs pos="0">
+                <a:srgbClr val="66AF35"/>
+              </a:gs>
+              <a:gs pos="100000">
+                <a:srgbClr val="588D3D"/>
+              </a:gs>
+            </a:gsLst>
+            <a:lin ang="2700000" scaled="1"/>
+          </a:gradFill>
+          <a:ln w="9525">
+            <a:noFill/>
+            <a:round/>
+            <a:headEnd/>
+            <a:tailEnd/>
+          </a:ln>
+        </p:spPr>
+        <p:txBody>
+          <a:bodyPr wrap="none" anchor="ctr"/>
+          <a:lstStyle/>
+          <a:p>
+            <a:endParaRPr lang="ja-JP" altLang="en-US">
+              <a:latin typeface="メイリオ"/>
+              <a:ea typeface="Osaka−等幅"/>
+              <a:cs typeface="Osaka−等幅"/>
+            </a:endParaRPr>
+          </a:p>
+        </p:txBody>
+      </p:sp>
+      <p:sp>
+        <p:nvSpPr>
+          <p:cNvPr id="25609" name="AutoShape 102"/>
+          <p:cNvSpPr>
+            <a:spLocks noChangeArrowheads="1"/>
+          </p:cNvSpPr>
+          <p:nvPr/>
+        </p:nvSpPr>
+        <p:spPr bwMode="gray">
+          <a:xfrm>
+            <a:off x="3343275" y="2582863"/>
+            <a:ext cx="2352675" cy="2459037"/>
+          </a:xfrm>
+          <a:prstGeom prst="roundRect">
+            <a:avLst>
+              <a:gd name="adj" fmla="val 16667"/>
+            </a:avLst>
+          </a:prstGeom>
+          <a:solidFill>
+            <a:srgbClr val="99D844"/>
+          </a:solidFill>
+          <a:ln w="9525">
+            <a:noFill/>
+            <a:round/>
+            <a:headEnd/>
+            <a:tailEnd/>
+          </a:ln>
+        </p:spPr>
+        <p:txBody>
+          <a:bodyPr wrap="none" anchor="ctr"/>
+          <a:lstStyle/>
+          <a:p>
+            <a:endParaRPr lang="ja-JP" altLang="en-US">
+              <a:latin typeface="メイリオ"/>
+              <a:ea typeface="Osaka−等幅"/>
+              <a:cs typeface="Osaka−等幅"/>
+            </a:endParaRPr>
+          </a:p>
+        </p:txBody>
+      </p:sp>
+      <p:sp>
+        <p:nvSpPr>
+          <p:cNvPr id="25610" name="AutoShape 103"/>
+          <p:cNvSpPr>
+            <a:spLocks noChangeArrowheads="1"/>
+          </p:cNvSpPr>
+          <p:nvPr/>
+        </p:nvSpPr>
+        <p:spPr bwMode="gray">
+          <a:xfrm>
+            <a:off x="3343275" y="4433888"/>
+            <a:ext cx="2352675" cy="682625"/>
+          </a:xfrm>
+          <a:prstGeom prst="roundRect">
+            <a:avLst>
+              <a:gd name="adj" fmla="val 50000"/>
+            </a:avLst>
+          </a:prstGeom>
+          <a:gradFill rotWithShape="1">
+            <a:gsLst>
+              <a:gs pos="0">
+                <a:srgbClr val="99D844"/>
+              </a:gs>
+              <a:gs pos="100000">
+                <a:srgbClr val="C7EA99"/>
+              </a:gs>
+            </a:gsLst>
+            <a:lin ang="5400000" scaled="1"/>
+          </a:gradFill>
+          <a:ln w="9525">
+            <a:noFill/>
+            <a:round/>
+            <a:headEnd/>
+            <a:tailEnd/>
+          </a:ln>
+        </p:spPr>
+        <p:txBody>
+          <a:bodyPr wrap="none" anchor="ctr"/>
+          <a:lstStyle/>
+          <a:p>
+            <a:endParaRPr lang="ja-JP" altLang="en-US">
+              <a:latin typeface="メイリオ"/>
+              <a:ea typeface="Osaka−等幅"/>
+              <a:cs typeface="Osaka−等幅"/>
+            </a:endParaRPr>
+          </a:p>
+        </p:txBody>
+      </p:sp>
+      <p:sp>
+        <p:nvSpPr>
+          <p:cNvPr id="25611" name="AutoShape 104"/>
+          <p:cNvSpPr>
+            <a:spLocks noChangeArrowheads="1"/>
+          </p:cNvSpPr>
+          <p:nvPr/>
+        </p:nvSpPr>
+        <p:spPr bwMode="gray">
+          <a:xfrm>
+            <a:off x="3343275" y="2576513"/>
+            <a:ext cx="2352675" cy="646112"/>
+          </a:xfrm>
+          <a:prstGeom prst="roundRect">
+            <a:avLst>
+              <a:gd name="adj" fmla="val 50000"/>
+            </a:avLst>
+          </a:prstGeom>
+          <a:gradFill rotWithShape="1">
+            <a:gsLst>
+              <a:gs pos="0">
+                <a:srgbClr val="DDF2C1"/>
+              </a:gs>
+              <a:gs pos="100000">
+                <a:srgbClr val="99D844"/>
+              </a:gs>
+            </a:gsLst>
+            <a:lin ang="5400000" scaled="1"/>
+          </a:gradFill>
+          <a:ln w="9525">
+            <a:noFill/>
+            <a:round/>
+            <a:headEnd/>
+            <a:tailEnd/>
+          </a:ln>
+        </p:spPr>
+        <p:txBody>
+          <a:bodyPr wrap="none" anchor="ctr"/>
+          <a:lstStyle/>
+          <a:p>
+            <a:endParaRPr lang="ja-JP" altLang="en-US">
+              <a:latin typeface="メイリオ"/>
+              <a:ea typeface="Osaka−等幅"/>
+              <a:cs typeface="Osaka−等幅"/>
+            </a:endParaRPr>
+          </a:p>
+        </p:txBody>
+      </p:sp>
+      <p:sp>
+        <p:nvSpPr>
+          <p:cNvPr id="25612" name="Text Box 111"/>
+          <p:cNvSpPr txBox="1">
+            <a:spLocks noChangeArrowheads="1"/>
+          </p:cNvSpPr>
+          <p:nvPr/>
+        </p:nvSpPr>
+        <p:spPr bwMode="gray">
+          <a:xfrm>
+            <a:off x="3343275" y="2974975"/>
+            <a:ext cx="2365375" cy="1828800"/>
+          </a:xfrm>
+          <a:prstGeom prst="rect">
+            <a:avLst/>
+          </a:prstGeom>
+          <a:noFill/>
+          <a:ln w="9525">
+            <a:noFill/>
+            <a:miter lim="800000"/>
+            <a:headEnd/>
+            <a:tailEnd/>
+          </a:ln>
+        </p:spPr>
+        <p:txBody>
+          <a:bodyPr>
+            <a:spAutoFit/>
+          </a:bodyPr>
+          <a:lstStyle/>
+          <a:p>
+            <a:pPr algn="ctr"/>
+            <a:r>
+              <a:rPr lang="ja-JP" altLang="en-US" sz="1600">
+                <a:latin typeface="メイリオ"/>
+                <a:ea typeface="Osaka−等幅"/>
+                <a:cs typeface="HGP創英角ｺﾞｼｯｸUB" pitchFamily="50" charset="-128"/>
+              </a:rPr>
+              <a:t>戻り値クラス</a:t>
+            </a:r>
+          </a:p>
+          <a:p>
+            <a:pPr algn="ctr"/>
+            <a:r>
+              <a:rPr lang="ja-JP" altLang="en-US" sz="1600">
+                <a:latin typeface="メイリオ"/>
+                <a:ea typeface="Osaka−等幅"/>
+                <a:cs typeface="HGP創英角ｺﾞｼｯｸUB" pitchFamily="50" charset="-128"/>
+              </a:rPr>
+              <a:t>を自動生成</a:t>
+            </a:r>
+            <a:endParaRPr lang="en-US" altLang="ja-JP" sz="1600">
+              <a:latin typeface="メイリオ"/>
+              <a:ea typeface="Osaka−等幅"/>
+              <a:cs typeface="HGP創英角ｺﾞｼｯｸUB" pitchFamily="50" charset="-128"/>
+            </a:endParaRPr>
+          </a:p>
+          <a:p>
+            <a:endParaRPr lang="en-US" altLang="ja-JP" sz="1000">
+              <a:latin typeface="メイリオ"/>
+              <a:ea typeface="Osaka−等幅"/>
+              <a:cs typeface="HGP創英角ｺﾞｼｯｸUB" pitchFamily="50" charset="-128"/>
+            </a:endParaRPr>
+          </a:p>
+          <a:p>
+            <a:r>
+              <a:rPr lang="en-US" altLang="ja-JP" sz="1200">
+                <a:latin typeface="メイリオ"/>
+                <a:ea typeface="Osaka−等幅"/>
+                <a:cs typeface="HGP創英角ｺﾞｼｯｸUB" pitchFamily="50" charset="-128"/>
+              </a:rPr>
+              <a:t>■SQL</a:t>
+            </a:r>
+            <a:r>
+              <a:rPr lang="ja-JP" altLang="en-US" sz="1200">
+                <a:latin typeface="メイリオ"/>
+                <a:ea typeface="Osaka−等幅"/>
+                <a:cs typeface="HGP創英角ｺﾞｼｯｸUB" pitchFamily="50" charset="-128"/>
+              </a:rPr>
+              <a:t>から戻り値クラス</a:t>
+            </a:r>
+          </a:p>
+          <a:p>
+            <a:r>
+              <a:rPr lang="ja-JP" altLang="en-US" sz="1200">
+                <a:latin typeface="メイリオ"/>
+                <a:ea typeface="Osaka−等幅"/>
+                <a:cs typeface="HGP創英角ｺﾞｼｯｸUB" pitchFamily="50" charset="-128"/>
+              </a:rPr>
+              <a:t>　を自動生成</a:t>
+            </a:r>
+          </a:p>
+          <a:p>
+            <a:endParaRPr lang="ja-JP" altLang="en-US" sz="1200">
+              <a:latin typeface="メイリオ"/>
+              <a:ea typeface="Osaka−等幅"/>
+              <a:cs typeface="HGP創英角ｺﾞｼｯｸUB" pitchFamily="50" charset="-128"/>
+            </a:endParaRPr>
+          </a:p>
+          <a:p>
+            <a:r>
+              <a:rPr lang="ja-JP" altLang="en-US" sz="1200">
+                <a:latin typeface="メイリオ"/>
+                <a:ea typeface="Osaka−等幅"/>
+                <a:cs typeface="HGP創英角ｺﾞｼｯｸUB" pitchFamily="50" charset="-128"/>
+              </a:rPr>
+              <a:t>■</a:t>
+            </a:r>
+            <a:r>
+              <a:rPr lang="ja-JP" altLang="en-US" sz="1200" b="1">
+                <a:solidFill>
+                  <a:schemeClr val="accent1"/>
+                </a:solidFill>
+                <a:latin typeface="メイリオ"/>
+                <a:ea typeface="Osaka−等幅"/>
+                <a:cs typeface="HGP創英角ｺﾞｼｯｸUB" pitchFamily="50" charset="-128"/>
+              </a:rPr>
+              <a:t>マッピングミス発生しない</a:t>
+            </a:r>
+          </a:p>
+          <a:p>
+            <a:endParaRPr lang="en-US" altLang="ja-JP" sz="1200">
+              <a:latin typeface="メイリオ"/>
+              <a:ea typeface="Osaka−等幅"/>
+              <a:cs typeface="HGP創英角ｺﾞｼｯｸUB" pitchFamily="50" charset="-128"/>
+            </a:endParaRPr>
+          </a:p>
+          <a:p>
+            <a:r>
+              <a:rPr lang="ja-JP" altLang="en-US" sz="1200">
+                <a:latin typeface="メイリオ"/>
+                <a:ea typeface="Osaka−等幅"/>
+                <a:cs typeface="HGP創英角ｺﾞｼｯｸUB" pitchFamily="50" charset="-128"/>
+              </a:rPr>
+              <a:t>■</a:t>
+            </a:r>
+            <a:r>
+              <a:rPr lang="en-US" altLang="ja-JP" sz="1200" b="1">
+                <a:solidFill>
+                  <a:schemeClr val="accent1"/>
+                </a:solidFill>
+                <a:latin typeface="メイリオ"/>
+                <a:ea typeface="Osaka−等幅"/>
+                <a:cs typeface="HGP創英角ｺﾞｼｯｸUB" pitchFamily="50" charset="-128"/>
+              </a:rPr>
+              <a:t>SQL</a:t>
+            </a:r>
+            <a:r>
+              <a:rPr lang="ja-JP" altLang="en-US" sz="1200" b="1">
+                <a:solidFill>
+                  <a:schemeClr val="accent1"/>
+                </a:solidFill>
+                <a:latin typeface="メイリオ"/>
+                <a:ea typeface="Osaka−等幅"/>
+                <a:cs typeface="HGP創英角ｺﾞｼｯｸUB" pitchFamily="50" charset="-128"/>
+              </a:rPr>
+              <a:t>の文法チェックになる</a:t>
+            </a:r>
+          </a:p>
+        </p:txBody>
+      </p:sp>
+      <p:sp>
+        <p:nvSpPr>
+          <p:cNvPr id="25613" name="AutoShape 115"/>
+          <p:cNvSpPr>
+            <a:spLocks noChangeArrowheads="1"/>
+          </p:cNvSpPr>
+          <p:nvPr/>
+        </p:nvSpPr>
+        <p:spPr bwMode="gray">
+          <a:xfrm>
+            <a:off x="5810250" y="2576513"/>
+            <a:ext cx="2417763" cy="2506662"/>
+          </a:xfrm>
+          <a:prstGeom prst="roundRect">
+            <a:avLst>
+              <a:gd name="adj" fmla="val 17509"/>
+            </a:avLst>
+          </a:prstGeom>
+          <a:gradFill rotWithShape="1">
+            <a:gsLst>
+              <a:gs pos="0">
+                <a:srgbClr val="C16237"/>
+              </a:gs>
+              <a:gs pos="100000">
+                <a:srgbClr val="AB4E47"/>
+              </a:gs>
+            </a:gsLst>
+            <a:lin ang="2700000" scaled="1"/>
+          </a:gradFill>
+          <a:ln w="9525">
+            <a:noFill/>
+            <a:round/>
+            <a:headEnd/>
+            <a:tailEnd/>
+          </a:ln>
+        </p:spPr>
+        <p:txBody>
+          <a:bodyPr wrap="none" anchor="ctr"/>
+          <a:lstStyle/>
+          <a:p>
+            <a:endParaRPr lang="ja-JP" altLang="en-US">
+              <a:latin typeface="メイリオ"/>
+              <a:ea typeface="Osaka−等幅"/>
+              <a:cs typeface="Osaka−等幅"/>
+            </a:endParaRPr>
+          </a:p>
+        </p:txBody>
+      </p:sp>
+      <p:sp>
+        <p:nvSpPr>
+          <p:cNvPr id="25614" name="AutoShape 116"/>
+          <p:cNvSpPr>
+            <a:spLocks noChangeArrowheads="1"/>
+          </p:cNvSpPr>
+          <p:nvPr/>
+        </p:nvSpPr>
+        <p:spPr bwMode="gray">
+          <a:xfrm>
+            <a:off x="5810250" y="2603500"/>
+            <a:ext cx="2417763" cy="2459038"/>
+          </a:xfrm>
+          <a:prstGeom prst="roundRect">
+            <a:avLst>
+              <a:gd name="adj" fmla="val 16667"/>
+            </a:avLst>
+          </a:prstGeom>
+          <a:solidFill>
+            <a:srgbClr val="E98B65"/>
+          </a:solidFill>
+          <a:ln w="9525">
+            <a:noFill/>
+            <a:round/>
+            <a:headEnd/>
+            <a:tailEnd/>
+          </a:ln>
+        </p:spPr>
+        <p:txBody>
+          <a:bodyPr wrap="none" anchor="ctr"/>
+          <a:lstStyle/>
+          <a:p>
+            <a:endParaRPr lang="ja-JP" altLang="en-US">
+              <a:latin typeface="メイリオ"/>
+              <a:ea typeface="Osaka−等幅"/>
+              <a:cs typeface="Osaka−等幅"/>
+            </a:endParaRPr>
+          </a:p>
+        </p:txBody>
+      </p:sp>
+      <p:sp>
+        <p:nvSpPr>
+          <p:cNvPr id="25615" name="AutoShape 117"/>
+          <p:cNvSpPr>
+            <a:spLocks noChangeArrowheads="1"/>
+          </p:cNvSpPr>
+          <p:nvPr/>
+        </p:nvSpPr>
+        <p:spPr bwMode="gray">
+          <a:xfrm>
+            <a:off x="5810250" y="4394200"/>
+            <a:ext cx="2417763" cy="688975"/>
+          </a:xfrm>
+          <a:prstGeom prst="roundRect">
+            <a:avLst>
+              <a:gd name="adj" fmla="val 50000"/>
+            </a:avLst>
+          </a:prstGeom>
+          <a:gradFill rotWithShape="1">
+            <a:gsLst>
+              <a:gs pos="0">
+                <a:srgbClr val="E98B65"/>
+              </a:gs>
+              <a:gs pos="100000">
+                <a:srgbClr val="F2BCA6"/>
+              </a:gs>
+            </a:gsLst>
+            <a:lin ang="5400000" scaled="1"/>
+          </a:gradFill>
+          <a:ln w="9525">
+            <a:noFill/>
+            <a:round/>
+            <a:headEnd/>
+            <a:tailEnd/>
+          </a:ln>
+        </p:spPr>
+        <p:txBody>
+          <a:bodyPr wrap="none" anchor="ctr"/>
+          <a:lstStyle/>
+          <a:p>
+            <a:endParaRPr lang="ja-JP" altLang="en-US">
+              <a:latin typeface="メイリオ"/>
+              <a:ea typeface="Osaka−等幅"/>
+              <a:cs typeface="Osaka−等幅"/>
+            </a:endParaRPr>
+          </a:p>
+        </p:txBody>
+      </p:sp>
+      <p:sp>
+        <p:nvSpPr>
+          <p:cNvPr id="25616" name="AutoShape 118"/>
+          <p:cNvSpPr>
+            <a:spLocks noChangeArrowheads="1"/>
+          </p:cNvSpPr>
+          <p:nvPr/>
+        </p:nvSpPr>
+        <p:spPr bwMode="gray">
+          <a:xfrm>
+            <a:off x="5810250" y="2576513"/>
+            <a:ext cx="2417763" cy="646112"/>
+          </a:xfrm>
+          <a:prstGeom prst="roundRect">
+            <a:avLst>
+              <a:gd name="adj" fmla="val 50000"/>
+            </a:avLst>
+          </a:prstGeom>
+          <a:gradFill rotWithShape="1">
+            <a:gsLst>
+              <a:gs pos="0">
+                <a:srgbClr val="F8D8CC"/>
+              </a:gs>
+              <a:gs pos="100000">
+                <a:srgbClr val="E98B65"/>
+              </a:gs>
+            </a:gsLst>
+            <a:lin ang="5400000" scaled="1"/>
+          </a:gradFill>
+          <a:ln w="9525">
+            <a:noFill/>
+            <a:round/>
+            <a:headEnd/>
+            <a:tailEnd/>
+          </a:ln>
+        </p:spPr>
+        <p:txBody>
+          <a:bodyPr wrap="none" anchor="ctr"/>
+          <a:lstStyle/>
+          <a:p>
+            <a:endParaRPr lang="ja-JP" altLang="en-US">
+              <a:latin typeface="メイリオ"/>
+              <a:ea typeface="Osaka−等幅"/>
+              <a:cs typeface="Osaka−等幅"/>
+            </a:endParaRPr>
+          </a:p>
+        </p:txBody>
+      </p:sp>
+      <p:sp>
+        <p:nvSpPr>
+          <p:cNvPr id="25617" name="Text Box 126"/>
+          <p:cNvSpPr txBox="1">
+            <a:spLocks noChangeArrowheads="1"/>
+          </p:cNvSpPr>
+          <p:nvPr/>
+        </p:nvSpPr>
+        <p:spPr bwMode="gray">
+          <a:xfrm>
+            <a:off x="5810250" y="2974975"/>
+            <a:ext cx="2417763" cy="1828800"/>
+          </a:xfrm>
+          <a:prstGeom prst="rect">
+            <a:avLst/>
+          </a:prstGeom>
+          <a:noFill/>
+          <a:ln w="9525">
+            <a:noFill/>
+            <a:miter lim="800000"/>
+            <a:headEnd/>
+            <a:tailEnd/>
+          </a:ln>
+        </p:spPr>
+        <p:txBody>
+          <a:bodyPr>
+            <a:spAutoFit/>
+          </a:bodyPr>
+          <a:lstStyle/>
+          <a:p>
+            <a:pPr algn="ctr"/>
+            <a:r>
+              <a:rPr lang="en-US" altLang="ja-JP" sz="1600">
+                <a:latin typeface="メイリオ"/>
+                <a:ea typeface="Osaka−等幅"/>
+                <a:cs typeface="HGP創英角ｺﾞｼｯｸUB" pitchFamily="50" charset="-128"/>
+              </a:rPr>
+              <a:t>SQL</a:t>
+            </a:r>
+            <a:r>
+              <a:rPr lang="ja-JP" altLang="en-US" sz="1600">
+                <a:latin typeface="メイリオ"/>
+                <a:ea typeface="Osaka−等幅"/>
+                <a:cs typeface="HGP創英角ｺﾞｼｯｸUB" pitchFamily="50" charset="-128"/>
+              </a:rPr>
+              <a:t>ファイル指定が</a:t>
+            </a:r>
+          </a:p>
+          <a:p>
+            <a:pPr algn="ctr"/>
+            <a:r>
+              <a:rPr lang="ja-JP" altLang="en-US" sz="1600">
+                <a:latin typeface="メイリオ"/>
+                <a:ea typeface="Osaka−等幅"/>
+                <a:cs typeface="HGP創英角ｺﾞｼｯｸUB" pitchFamily="50" charset="-128"/>
+              </a:rPr>
+              <a:t>タイプセーフ</a:t>
+            </a:r>
+            <a:endParaRPr lang="en-US" altLang="ja-JP" sz="1600">
+              <a:latin typeface="メイリオ"/>
+              <a:ea typeface="Osaka−等幅"/>
+              <a:cs typeface="HGP創英角ｺﾞｼｯｸUB" pitchFamily="50" charset="-128"/>
+            </a:endParaRPr>
+          </a:p>
+          <a:p>
+            <a:endParaRPr lang="en-US" altLang="ja-JP" sz="1000">
+              <a:latin typeface="メイリオ"/>
+              <a:ea typeface="Osaka−等幅"/>
+              <a:cs typeface="HGP創英角ｺﾞｼｯｸUB" pitchFamily="50" charset="-128"/>
+            </a:endParaRPr>
+          </a:p>
+          <a:p>
+            <a:r>
+              <a:rPr lang="en-US" altLang="ja-JP" sz="1200">
+                <a:latin typeface="メイリオ"/>
+                <a:ea typeface="Osaka−等幅"/>
+                <a:cs typeface="HGP創英角ｺﾞｼｯｸUB" pitchFamily="50" charset="-128"/>
+              </a:rPr>
+              <a:t>■SQL</a:t>
+            </a:r>
+            <a:r>
+              <a:rPr lang="ja-JP" altLang="en-US" sz="1200">
+                <a:latin typeface="メイリオ"/>
+                <a:ea typeface="Osaka−等幅"/>
+                <a:cs typeface="HGP創英角ｺﾞｼｯｸUB" pitchFamily="50" charset="-128"/>
+              </a:rPr>
+              <a:t>ファイルから</a:t>
+            </a:r>
+          </a:p>
+          <a:p>
+            <a:r>
+              <a:rPr lang="ja-JP" altLang="en-US" sz="1200">
+                <a:latin typeface="メイリオ"/>
+                <a:ea typeface="Osaka−等幅"/>
+                <a:cs typeface="HGP創英角ｺﾞｼｯｸUB" pitchFamily="50" charset="-128"/>
+              </a:rPr>
+              <a:t>　パス定義を自動生成</a:t>
+            </a:r>
+          </a:p>
+          <a:p>
+            <a:endParaRPr lang="en-US" altLang="ja-JP" sz="1200">
+              <a:latin typeface="メイリオ"/>
+              <a:ea typeface="Osaka−等幅"/>
+              <a:cs typeface="HGP創英角ｺﾞｼｯｸUB" pitchFamily="50" charset="-128"/>
+            </a:endParaRPr>
+          </a:p>
+          <a:p>
+            <a:r>
+              <a:rPr lang="en-US" altLang="ja-JP" sz="1200">
+                <a:latin typeface="メイリオ"/>
+                <a:ea typeface="Osaka−等幅"/>
+                <a:cs typeface="HGP創英角ｺﾞｼｯｸUB" pitchFamily="50" charset="-128"/>
+              </a:rPr>
+              <a:t>■</a:t>
+            </a:r>
+            <a:r>
+              <a:rPr lang="en-US" altLang="ja-JP" sz="1200" b="1">
+                <a:solidFill>
+                  <a:schemeClr val="accent1"/>
+                </a:solidFill>
+                <a:latin typeface="メイリオ"/>
+                <a:ea typeface="Osaka−等幅"/>
+                <a:cs typeface="HGP創英角ｺﾞｼｯｸUB" pitchFamily="50" charset="-128"/>
+              </a:rPr>
+              <a:t>SQL</a:t>
+            </a:r>
+            <a:r>
+              <a:rPr lang="ja-JP" altLang="en-US" sz="1200" b="1">
+                <a:solidFill>
+                  <a:schemeClr val="accent1"/>
+                </a:solidFill>
+                <a:latin typeface="メイリオ"/>
+                <a:ea typeface="Osaka−等幅"/>
+                <a:cs typeface="HGP創英角ｺﾞｼｯｸUB" pitchFamily="50" charset="-128"/>
+              </a:rPr>
+              <a:t>ファイルがないエラー</a:t>
+            </a:r>
+          </a:p>
+          <a:p>
+            <a:r>
+              <a:rPr lang="ja-JP" altLang="en-US" sz="1200" b="1">
+                <a:solidFill>
+                  <a:schemeClr val="accent1"/>
+                </a:solidFill>
+                <a:latin typeface="メイリオ"/>
+                <a:ea typeface="Osaka−等幅"/>
+                <a:cs typeface="HGP創英角ｺﾞｼｯｸUB" pitchFamily="50" charset="-128"/>
+              </a:rPr>
+              <a:t>　が発生しない</a:t>
+            </a:r>
+          </a:p>
+          <a:p>
+            <a:endParaRPr lang="ja-JP" altLang="en-US" sz="1200">
+              <a:latin typeface="メイリオ"/>
+              <a:ea typeface="Osaka−等幅"/>
+              <a:cs typeface="HGP創英角ｺﾞｼｯｸUB" pitchFamily="50" charset="-128"/>
+            </a:endParaRPr>
+          </a:p>
+        </p:txBody>
+      </p:sp>
+      <p:grpSp>
+        <p:nvGrpSpPr>
+          <p:cNvPr id="2" name="Group 131"/>
+          <p:cNvGrpSpPr>
+            <a:grpSpLocks/>
+          </p:cNvGrpSpPr>
+          <p:nvPr/>
+        </p:nvGrpSpPr>
+        <p:grpSpPr bwMode="auto">
+          <a:xfrm>
+            <a:off x="1689100" y="2184400"/>
+            <a:ext cx="5662613" cy="627063"/>
+            <a:chOff x="1233" y="1343"/>
+            <a:chExt cx="3381" cy="395"/>
+          </a:xfrm>
+        </p:grpSpPr>
+        <p:grpSp>
+          <p:nvGrpSpPr>
+            <p:cNvPr id="3" name="Group 92"/>
+            <p:cNvGrpSpPr>
+              <a:grpSpLocks/>
+            </p:cNvGrpSpPr>
+            <p:nvPr/>
+          </p:nvGrpSpPr>
+          <p:grpSpPr bwMode="auto">
+            <a:xfrm>
+              <a:off x="1233" y="1346"/>
+              <a:ext cx="405" cy="392"/>
+              <a:chOff x="1289" y="587"/>
+              <a:chExt cx="668" cy="647"/>
+            </a:xfrm>
+          </p:grpSpPr>
+          <p:sp>
+            <p:nvSpPr>
+              <p:cNvPr id="25634" name="Oval 93"/>
+              <p:cNvSpPr>
+                <a:spLocks noChangeArrowheads="1"/>
+              </p:cNvSpPr>
+              <p:nvPr/>
+            </p:nvSpPr>
+            <p:spPr bwMode="gray">
+              <a:xfrm>
+                <a:off x="1289" y="602"/>
+                <a:ext cx="668" cy="500"/>
+              </a:xfrm>
+              <a:prstGeom prst="ellipse">
+                <a:avLst/>
+              </a:prstGeom>
+              <a:solidFill>
+                <a:srgbClr val="333333"/>
+              </a:solidFill>
+              <a:ln w="38100">
+                <a:noFill/>
+                <a:round/>
+                <a:headEnd/>
+                <a:tailEnd/>
+              </a:ln>
+            </p:spPr>
+            <p:txBody>
+              <a:bodyPr anchor="ctr">
+                <a:spAutoFit/>
+              </a:bodyPr>
+              <a:lstStyle/>
+              <a:p>
+                <a:endParaRPr lang="ja-JP" altLang="en-US">
+                  <a:latin typeface="メイリオ"/>
+                  <a:ea typeface="Osaka−等幅"/>
+                  <a:cs typeface="Osaka−等幅"/>
+                </a:endParaRPr>
+              </a:p>
+            </p:txBody>
+          </p:sp>
+          <p:sp>
+            <p:nvSpPr>
+              <p:cNvPr id="25635" name="Oval 94"/>
+              <p:cNvSpPr>
+                <a:spLocks noChangeArrowheads="1"/>
+              </p:cNvSpPr>
+              <p:nvPr/>
+            </p:nvSpPr>
+            <p:spPr bwMode="gray">
+              <a:xfrm>
+                <a:off x="1296" y="587"/>
+                <a:ext cx="646" cy="647"/>
+              </a:xfrm>
+              <a:prstGeom prst="ellipse">
+                <a:avLst/>
+              </a:prstGeom>
+              <a:gradFill rotWithShape="1">
+                <a:gsLst>
+                  <a:gs pos="0">
+                    <a:srgbClr val="636869"/>
+                  </a:gs>
+                  <a:gs pos="100000">
+                    <a:srgbClr val="D6E1E2"/>
+                  </a:gs>
+                </a:gsLst>
+                <a:lin ang="5400000" scaled="1"/>
+              </a:gradFill>
+              <a:ln w="9525">
+                <a:noFill/>
+                <a:round/>
+                <a:headEnd/>
+                <a:tailEnd/>
+              </a:ln>
+            </p:spPr>
+            <p:txBody>
+              <a:bodyPr vert="eaVert" wrap="none" anchor="ctr"/>
+              <a:lstStyle/>
+              <a:p>
+                <a:endParaRPr lang="ja-JP" altLang="en-US">
+                  <a:latin typeface="メイリオ"/>
+                  <a:ea typeface="Osaka−等幅"/>
+                  <a:cs typeface="Osaka−等幅"/>
+                </a:endParaRPr>
+              </a:p>
+            </p:txBody>
+          </p:sp>
+          <p:sp>
+            <p:nvSpPr>
+              <p:cNvPr id="25636" name="Oval 95"/>
+              <p:cNvSpPr>
+                <a:spLocks noChangeArrowheads="1"/>
+              </p:cNvSpPr>
+              <p:nvPr/>
+            </p:nvSpPr>
+            <p:spPr bwMode="gray">
+              <a:xfrm>
+                <a:off x="1304" y="591"/>
+                <a:ext cx="631" cy="631"/>
+              </a:xfrm>
+              <a:prstGeom prst="ellipse">
+                <a:avLst/>
+              </a:prstGeom>
+              <a:gradFill rotWithShape="1">
+                <a:gsLst>
+                  <a:gs pos="0">
+                    <a:srgbClr val="D6E1E2">
+                      <a:alpha val="0"/>
+                    </a:srgbClr>
+                  </a:gs>
+                  <a:gs pos="100000">
+                    <a:srgbClr val="F1F5F5"/>
+                  </a:gs>
+                </a:gsLst>
+                <a:lin ang="5400000" scaled="1"/>
+              </a:gradFill>
+              <a:ln w="9525">
+                <a:noFill/>
+                <a:round/>
+                <a:headEnd/>
+                <a:tailEnd/>
+              </a:ln>
+            </p:spPr>
+            <p:txBody>
+              <a:bodyPr vert="eaVert" wrap="none" anchor="ctr"/>
+              <a:lstStyle/>
+              <a:p>
+                <a:endParaRPr lang="ja-JP" altLang="en-US">
+                  <a:latin typeface="メイリオ"/>
+                  <a:ea typeface="Osaka−等幅"/>
+                  <a:cs typeface="Osaka−等幅"/>
+                </a:endParaRPr>
+              </a:p>
+            </p:txBody>
+          </p:sp>
+          <p:sp>
+            <p:nvSpPr>
+              <p:cNvPr id="25637" name="Oval 96"/>
+              <p:cNvSpPr>
+                <a:spLocks noChangeArrowheads="1"/>
+              </p:cNvSpPr>
+              <p:nvPr/>
+            </p:nvSpPr>
+            <p:spPr bwMode="gray">
+              <a:xfrm>
+                <a:off x="1302" y="592"/>
+                <a:ext cx="599" cy="589"/>
+              </a:xfrm>
+              <a:prstGeom prst="ellipse">
+                <a:avLst/>
+              </a:prstGeom>
+              <a:gradFill rotWithShape="1">
+                <a:gsLst>
+                  <a:gs pos="0">
+                    <a:srgbClr val="AAB2B3"/>
+                  </a:gs>
+                  <a:gs pos="100000">
+                    <a:srgbClr val="D6E1E2">
+                      <a:alpha val="48000"/>
+                    </a:srgbClr>
+                  </a:gs>
+                </a:gsLst>
+                <a:lin ang="5400000" scaled="1"/>
+              </a:gradFill>
+              <a:ln w="9525">
+                <a:noFill/>
+                <a:round/>
+                <a:headEnd/>
+                <a:tailEnd/>
+              </a:ln>
+            </p:spPr>
+            <p:txBody>
+              <a:bodyPr vert="eaVert" wrap="none" anchor="ctr"/>
+              <a:lstStyle/>
+              <a:p>
+                <a:endParaRPr lang="ja-JP" altLang="en-US">
+                  <a:latin typeface="メイリオ"/>
+                  <a:ea typeface="Osaka−等幅"/>
+                  <a:cs typeface="Osaka−等幅"/>
+                </a:endParaRPr>
+              </a:p>
+            </p:txBody>
+          </p:sp>
+          <p:sp>
+            <p:nvSpPr>
+              <p:cNvPr id="25638" name="Oval 97"/>
+              <p:cNvSpPr>
+                <a:spLocks noChangeArrowheads="1"/>
+              </p:cNvSpPr>
+              <p:nvPr/>
+            </p:nvSpPr>
+            <p:spPr bwMode="gray">
+              <a:xfrm>
+                <a:off x="1346" y="613"/>
+                <a:ext cx="533" cy="479"/>
+              </a:xfrm>
+              <a:prstGeom prst="ellipse">
+                <a:avLst/>
+              </a:prstGeom>
+              <a:gradFill rotWithShape="1">
+                <a:gsLst>
+                  <a:gs pos="0">
+                    <a:srgbClr val="FFFFFF"/>
+                  </a:gs>
+                  <a:gs pos="100000">
+                    <a:srgbClr val="D6E1E2">
+                      <a:alpha val="37999"/>
+                    </a:srgbClr>
+                  </a:gs>
+                </a:gsLst>
+                <a:lin ang="5400000" scaled="1"/>
+              </a:gradFill>
+              <a:ln w="9525">
+                <a:noFill/>
+                <a:round/>
+                <a:headEnd/>
+                <a:tailEnd/>
+              </a:ln>
+            </p:spPr>
+            <p:txBody>
+              <a:bodyPr vert="eaVert" wrap="none" anchor="ctr"/>
+              <a:lstStyle/>
+              <a:p>
+                <a:endParaRPr lang="ja-JP" altLang="en-US">
+                  <a:latin typeface="メイリオ"/>
+                  <a:ea typeface="Osaka−等幅"/>
+                  <a:cs typeface="Osaka−等幅"/>
+                </a:endParaRPr>
+              </a:p>
+            </p:txBody>
+          </p:sp>
+        </p:grpSp>
+        <p:sp>
+          <p:nvSpPr>
+            <p:cNvPr id="25620" name="Text Box 98"/>
+            <p:cNvSpPr txBox="1">
+              <a:spLocks noChangeArrowheads="1"/>
+            </p:cNvSpPr>
+            <p:nvPr/>
+          </p:nvSpPr>
+          <p:spPr bwMode="gray">
+            <a:xfrm>
+              <a:off x="1320" y="1400"/>
+              <a:ext cx="212" cy="288"/>
+            </a:xfrm>
+            <a:prstGeom prst="rect">
+              <a:avLst/>
+            </a:prstGeom>
+            <a:noFill/>
+            <a:ln w="9525">
+              <a:noFill/>
+              <a:miter lim="800000"/>
+              <a:headEnd/>
+              <a:tailEnd/>
+            </a:ln>
+          </p:spPr>
+          <p:txBody>
+            <a:bodyPr wrap="none">
+              <a:spAutoFit/>
+            </a:bodyPr>
+            <a:lstStyle/>
+            <a:p>
+              <a:pPr eaLnBrk="0" hangingPunct="0"/>
+              <a:r>
+                <a:rPr kumimoji="0" lang="en-US" altLang="ja-JP" sz="2400">
+                  <a:solidFill>
+                    <a:srgbClr val="000000"/>
+                  </a:solidFill>
+                  <a:latin typeface="メイリオ"/>
+                  <a:ea typeface="Osaka−等幅"/>
+                  <a:cs typeface="Osaka−等幅"/>
+                </a:rPr>
+                <a:t>1</a:t>
+              </a:r>
+            </a:p>
+          </p:txBody>
+        </p:sp>
+        <p:sp>
+          <p:nvSpPr>
+            <p:cNvPr id="25621" name="Oval 105"/>
+            <p:cNvSpPr>
+              <a:spLocks noChangeArrowheads="1"/>
+            </p:cNvSpPr>
+            <p:nvPr/>
+          </p:nvSpPr>
+          <p:spPr bwMode="gray">
+            <a:xfrm>
+              <a:off x="2721" y="1352"/>
+              <a:ext cx="405" cy="303"/>
+            </a:xfrm>
+            <a:prstGeom prst="ellipse">
+              <a:avLst/>
+            </a:prstGeom>
+            <a:solidFill>
+              <a:srgbClr val="333333"/>
+            </a:solidFill>
+            <a:ln w="38100">
+              <a:noFill/>
+              <a:round/>
+              <a:headEnd/>
+              <a:tailEnd/>
+            </a:ln>
+          </p:spPr>
+          <p:txBody>
+            <a:bodyPr anchor="ctr">
+              <a:spAutoFit/>
+            </a:bodyPr>
+            <a:lstStyle/>
+            <a:p>
+              <a:endParaRPr lang="ja-JP" altLang="en-US">
+                <a:latin typeface="メイリオ"/>
+                <a:ea typeface="Osaka−等幅"/>
+                <a:cs typeface="Osaka−等幅"/>
+              </a:endParaRPr>
+            </a:p>
+          </p:txBody>
+        </p:sp>
+        <p:sp>
+          <p:nvSpPr>
+            <p:cNvPr id="25622" name="Oval 106"/>
+            <p:cNvSpPr>
+              <a:spLocks noChangeArrowheads="1"/>
+            </p:cNvSpPr>
+            <p:nvPr/>
+          </p:nvSpPr>
+          <p:spPr bwMode="gray">
+            <a:xfrm>
+              <a:off x="2725" y="1343"/>
+              <a:ext cx="392" cy="392"/>
+            </a:xfrm>
+            <a:prstGeom prst="ellipse">
+              <a:avLst/>
+            </a:prstGeom>
+            <a:gradFill rotWithShape="1">
+              <a:gsLst>
+                <a:gs pos="0">
+                  <a:srgbClr val="636869"/>
+                </a:gs>
+                <a:gs pos="100000">
+                  <a:srgbClr val="D6E1E2"/>
+                </a:gs>
+              </a:gsLst>
+              <a:lin ang="5400000" scaled="1"/>
+            </a:gradFill>
+            <a:ln w="9525">
+              <a:noFill/>
+              <a:round/>
+              <a:headEnd/>
+              <a:tailEnd/>
+            </a:ln>
+          </p:spPr>
+          <p:txBody>
+            <a:bodyPr vert="eaVert" wrap="none" anchor="ctr"/>
+            <a:lstStyle/>
+            <a:p>
+              <a:endParaRPr lang="ja-JP" altLang="en-US">
+                <a:latin typeface="メイリオ"/>
+                <a:ea typeface="Osaka−等幅"/>
+                <a:cs typeface="Osaka−等幅"/>
+              </a:endParaRPr>
+            </a:p>
+          </p:txBody>
+        </p:sp>
+        <p:sp>
+          <p:nvSpPr>
+            <p:cNvPr id="25623" name="Oval 107"/>
+            <p:cNvSpPr>
+              <a:spLocks noChangeArrowheads="1"/>
+            </p:cNvSpPr>
+            <p:nvPr/>
+          </p:nvSpPr>
+          <p:spPr bwMode="gray">
+            <a:xfrm>
+              <a:off x="2730" y="1345"/>
+              <a:ext cx="383" cy="383"/>
+            </a:xfrm>
+            <a:prstGeom prst="ellipse">
+              <a:avLst/>
+            </a:prstGeom>
+            <a:gradFill rotWithShape="1">
+              <a:gsLst>
+                <a:gs pos="0">
+                  <a:srgbClr val="D6E1E2">
+                    <a:alpha val="0"/>
+                  </a:srgbClr>
+                </a:gs>
+                <a:gs pos="100000">
+                  <a:srgbClr val="F1F5F5"/>
+                </a:gs>
+              </a:gsLst>
+              <a:lin ang="5400000" scaled="1"/>
+            </a:gradFill>
+            <a:ln w="9525">
+              <a:noFill/>
+              <a:round/>
+              <a:headEnd/>
+              <a:tailEnd/>
+            </a:ln>
+          </p:spPr>
+          <p:txBody>
+            <a:bodyPr vert="eaVert" wrap="none" anchor="ctr"/>
+            <a:lstStyle/>
+            <a:p>
+              <a:endParaRPr lang="ja-JP" altLang="en-US">
+                <a:latin typeface="メイリオ"/>
+                <a:ea typeface="Osaka−等幅"/>
+                <a:cs typeface="Osaka−等幅"/>
+              </a:endParaRPr>
+            </a:p>
+          </p:txBody>
+        </p:sp>
+        <p:sp>
+          <p:nvSpPr>
+            <p:cNvPr id="25624" name="Oval 108"/>
+            <p:cNvSpPr>
+              <a:spLocks noChangeArrowheads="1"/>
+            </p:cNvSpPr>
+            <p:nvPr/>
+          </p:nvSpPr>
+          <p:spPr bwMode="gray">
+            <a:xfrm>
+              <a:off x="2734" y="1349"/>
+              <a:ext cx="364" cy="357"/>
+            </a:xfrm>
+            <a:prstGeom prst="ellipse">
+              <a:avLst/>
+            </a:prstGeom>
+            <a:gradFill rotWithShape="1">
+              <a:gsLst>
+                <a:gs pos="0">
+                  <a:srgbClr val="AAB2B3"/>
+                </a:gs>
+                <a:gs pos="100000">
+                  <a:srgbClr val="D6E1E2">
+                    <a:alpha val="48000"/>
+                  </a:srgbClr>
+                </a:gs>
+              </a:gsLst>
+              <a:lin ang="5400000" scaled="1"/>
+            </a:gradFill>
+            <a:ln w="9525">
+              <a:noFill/>
+              <a:round/>
+              <a:headEnd/>
+              <a:tailEnd/>
+            </a:ln>
+          </p:spPr>
+          <p:txBody>
+            <a:bodyPr vert="eaVert" wrap="none" anchor="ctr"/>
+            <a:lstStyle/>
+            <a:p>
+              <a:endParaRPr lang="ja-JP" altLang="en-US">
+                <a:latin typeface="メイリオ"/>
+                <a:ea typeface="Osaka−等幅"/>
+                <a:cs typeface="Osaka−等幅"/>
+              </a:endParaRPr>
+            </a:p>
+          </p:txBody>
+        </p:sp>
+        <p:sp>
+          <p:nvSpPr>
+            <p:cNvPr id="25625" name="Oval 109"/>
+            <p:cNvSpPr>
+              <a:spLocks noChangeArrowheads="1"/>
+            </p:cNvSpPr>
+            <p:nvPr/>
+          </p:nvSpPr>
+          <p:spPr bwMode="gray">
+            <a:xfrm>
+              <a:off x="2756" y="1359"/>
+              <a:ext cx="323" cy="290"/>
+            </a:xfrm>
+            <a:prstGeom prst="ellipse">
+              <a:avLst/>
+            </a:prstGeom>
+            <a:gradFill rotWithShape="1">
+              <a:gsLst>
+                <a:gs pos="0">
+                  <a:srgbClr val="FFFFFF"/>
+                </a:gs>
+                <a:gs pos="100000">
+                  <a:srgbClr val="D6E1E2">
+                    <a:alpha val="37999"/>
+                  </a:srgbClr>
+                </a:gs>
+              </a:gsLst>
+              <a:lin ang="5400000" scaled="1"/>
+            </a:gradFill>
+            <a:ln w="9525">
+              <a:noFill/>
+              <a:round/>
+              <a:headEnd/>
+              <a:tailEnd/>
+            </a:ln>
+          </p:spPr>
+          <p:txBody>
+            <a:bodyPr vert="eaVert" wrap="none" anchor="ctr"/>
+            <a:lstStyle/>
+            <a:p>
+              <a:endParaRPr lang="ja-JP" altLang="en-US">
+                <a:latin typeface="メイリオ"/>
+                <a:ea typeface="Osaka−等幅"/>
+                <a:cs typeface="Osaka−等幅"/>
+              </a:endParaRPr>
+            </a:p>
+          </p:txBody>
+        </p:sp>
+        <p:sp>
+          <p:nvSpPr>
+            <p:cNvPr id="25626" name="Text Box 110"/>
+            <p:cNvSpPr txBox="1">
+              <a:spLocks noChangeArrowheads="1"/>
+            </p:cNvSpPr>
+            <p:nvPr/>
+          </p:nvSpPr>
+          <p:spPr bwMode="gray">
+            <a:xfrm>
+              <a:off x="2808" y="1398"/>
+              <a:ext cx="212" cy="288"/>
+            </a:xfrm>
+            <a:prstGeom prst="rect">
+              <a:avLst/>
+            </a:prstGeom>
+            <a:noFill/>
+            <a:ln w="9525">
+              <a:noFill/>
+              <a:miter lim="800000"/>
+              <a:headEnd/>
+              <a:tailEnd/>
+            </a:ln>
+          </p:spPr>
+          <p:txBody>
+            <a:bodyPr wrap="none">
+              <a:spAutoFit/>
+            </a:bodyPr>
+            <a:lstStyle/>
+            <a:p>
+              <a:pPr eaLnBrk="0" hangingPunct="0"/>
+              <a:r>
+                <a:rPr kumimoji="0" lang="en-US" altLang="ja-JP" sz="2400">
+                  <a:solidFill>
+                    <a:srgbClr val="000000"/>
+                  </a:solidFill>
+                  <a:latin typeface="メイリオ"/>
+                  <a:ea typeface="Osaka−等幅"/>
+                  <a:cs typeface="Osaka−等幅"/>
+                </a:rPr>
+                <a:t>2</a:t>
+              </a:r>
+            </a:p>
+          </p:txBody>
+        </p:sp>
+        <p:grpSp>
+          <p:nvGrpSpPr>
+            <p:cNvPr id="4" name="Group 119"/>
+            <p:cNvGrpSpPr>
+              <a:grpSpLocks/>
+            </p:cNvGrpSpPr>
+            <p:nvPr/>
+          </p:nvGrpSpPr>
+          <p:grpSpPr bwMode="auto">
+            <a:xfrm>
+              <a:off x="4209" y="1343"/>
+              <a:ext cx="405" cy="392"/>
+              <a:chOff x="1289" y="587"/>
+              <a:chExt cx="668" cy="647"/>
+            </a:xfrm>
+          </p:grpSpPr>
+          <p:sp>
+            <p:nvSpPr>
+              <p:cNvPr id="25629" name="Oval 120"/>
+              <p:cNvSpPr>
+                <a:spLocks noChangeArrowheads="1"/>
+              </p:cNvSpPr>
+              <p:nvPr/>
+            </p:nvSpPr>
+            <p:spPr bwMode="gray">
+              <a:xfrm>
+                <a:off x="1289" y="602"/>
+                <a:ext cx="668" cy="500"/>
+              </a:xfrm>
+              <a:prstGeom prst="ellipse">
+                <a:avLst/>
+              </a:prstGeom>
+              <a:solidFill>
+                <a:srgbClr val="333333"/>
+              </a:solidFill>
+              <a:ln w="38100">
+                <a:noFill/>
+                <a:round/>
+                <a:headEnd/>
+                <a:tailEnd/>
+              </a:ln>
+            </p:spPr>
+            <p:txBody>
+              <a:bodyPr anchor="ctr">
+                <a:spAutoFit/>
+              </a:bodyPr>
+              <a:lstStyle/>
+              <a:p>
+                <a:endParaRPr lang="ja-JP" altLang="en-US">
+                  <a:latin typeface="メイリオ"/>
+                  <a:ea typeface="Osaka−等幅"/>
+                  <a:cs typeface="Osaka−等幅"/>
+                </a:endParaRPr>
+              </a:p>
+            </p:txBody>
+          </p:sp>
+          <p:sp>
+            <p:nvSpPr>
+              <p:cNvPr id="25630" name="Oval 121"/>
+              <p:cNvSpPr>
+                <a:spLocks noChangeArrowheads="1"/>
+              </p:cNvSpPr>
+              <p:nvPr/>
+            </p:nvSpPr>
+            <p:spPr bwMode="gray">
+              <a:xfrm>
+                <a:off x="1296" y="587"/>
+                <a:ext cx="646" cy="647"/>
+              </a:xfrm>
+              <a:prstGeom prst="ellipse">
+                <a:avLst/>
+              </a:prstGeom>
+              <a:gradFill rotWithShape="1">
+                <a:gsLst>
+                  <a:gs pos="0">
+                    <a:srgbClr val="636869"/>
+                  </a:gs>
+                  <a:gs pos="100000">
+                    <a:srgbClr val="D6E1E2"/>
+                  </a:gs>
+                </a:gsLst>
+                <a:lin ang="5400000" scaled="1"/>
+              </a:gradFill>
+              <a:ln w="9525">
+                <a:noFill/>
+                <a:round/>
+                <a:headEnd/>
+                <a:tailEnd/>
+              </a:ln>
+            </p:spPr>
+            <p:txBody>
+              <a:bodyPr vert="eaVert" wrap="none" anchor="ctr"/>
+              <a:lstStyle/>
+              <a:p>
+                <a:endParaRPr lang="ja-JP" altLang="en-US">
+                  <a:latin typeface="メイリオ"/>
+                  <a:ea typeface="Osaka−等幅"/>
+                  <a:cs typeface="Osaka−等幅"/>
+                </a:endParaRPr>
+              </a:p>
+            </p:txBody>
+          </p:sp>
+          <p:sp>
+            <p:nvSpPr>
+              <p:cNvPr id="25631" name="Oval 122"/>
+              <p:cNvSpPr>
+                <a:spLocks noChangeArrowheads="1"/>
+              </p:cNvSpPr>
+              <p:nvPr/>
+            </p:nvSpPr>
+            <p:spPr bwMode="gray">
+              <a:xfrm>
+                <a:off x="1304" y="591"/>
+                <a:ext cx="631" cy="631"/>
+              </a:xfrm>
+              <a:prstGeom prst="ellipse">
+                <a:avLst/>
+              </a:prstGeom>
+              <a:gradFill rotWithShape="1">
+                <a:gsLst>
+                  <a:gs pos="0">
+                    <a:srgbClr val="D6E1E2">
+                      <a:alpha val="0"/>
+                    </a:srgbClr>
+                  </a:gs>
+                  <a:gs pos="100000">
+                    <a:srgbClr val="F1F5F5"/>
+                  </a:gs>
+                </a:gsLst>
+                <a:lin ang="5400000" scaled="1"/>
+              </a:gradFill>
+              <a:ln w="9525">
+                <a:noFill/>
+                <a:round/>
+                <a:headEnd/>
+                <a:tailEnd/>
+              </a:ln>
+            </p:spPr>
+            <p:txBody>
+              <a:bodyPr vert="eaVert" wrap="none" anchor="ctr"/>
+              <a:lstStyle/>
+              <a:p>
+                <a:endParaRPr lang="ja-JP" altLang="en-US">
+                  <a:latin typeface="メイリオ"/>
+                  <a:ea typeface="Osaka−等幅"/>
+                  <a:cs typeface="Osaka−等幅"/>
+                </a:endParaRPr>
+              </a:p>
+            </p:txBody>
+          </p:sp>
+          <p:sp>
+            <p:nvSpPr>
+              <p:cNvPr id="25632" name="Oval 123"/>
+              <p:cNvSpPr>
+                <a:spLocks noChangeArrowheads="1"/>
+              </p:cNvSpPr>
+              <p:nvPr/>
+            </p:nvSpPr>
+            <p:spPr bwMode="gray">
+              <a:xfrm>
+                <a:off x="1311" y="597"/>
+                <a:ext cx="600" cy="589"/>
+              </a:xfrm>
+              <a:prstGeom prst="ellipse">
+                <a:avLst/>
+              </a:prstGeom>
+              <a:gradFill rotWithShape="1">
+                <a:gsLst>
+                  <a:gs pos="0">
+                    <a:srgbClr val="AAB2B3"/>
+                  </a:gs>
+                  <a:gs pos="100000">
+                    <a:srgbClr val="D6E1E2">
+                      <a:alpha val="48000"/>
+                    </a:srgbClr>
+                  </a:gs>
+                </a:gsLst>
+                <a:lin ang="5400000" scaled="1"/>
+              </a:gradFill>
+              <a:ln w="9525">
+                <a:noFill/>
+                <a:round/>
+                <a:headEnd/>
+                <a:tailEnd/>
+              </a:ln>
+            </p:spPr>
+            <p:txBody>
+              <a:bodyPr vert="eaVert" wrap="none" anchor="ctr"/>
+              <a:lstStyle/>
+              <a:p>
+                <a:endParaRPr lang="ja-JP" altLang="en-US">
+                  <a:latin typeface="メイリオ"/>
+                  <a:ea typeface="Osaka−等幅"/>
+                  <a:cs typeface="Osaka−等幅"/>
+                </a:endParaRPr>
+              </a:p>
+            </p:txBody>
+          </p:sp>
+          <p:sp>
+            <p:nvSpPr>
+              <p:cNvPr id="25633" name="Oval 124"/>
+              <p:cNvSpPr>
+                <a:spLocks noChangeArrowheads="1"/>
+              </p:cNvSpPr>
+              <p:nvPr/>
+            </p:nvSpPr>
+            <p:spPr bwMode="gray">
+              <a:xfrm>
+                <a:off x="1346" y="613"/>
+                <a:ext cx="533" cy="479"/>
+              </a:xfrm>
+              <a:prstGeom prst="ellipse">
+                <a:avLst/>
+              </a:prstGeom>
+              <a:gradFill rotWithShape="1">
+                <a:gsLst>
+                  <a:gs pos="0">
+                    <a:srgbClr val="FFFFFF"/>
+                  </a:gs>
+                  <a:gs pos="100000">
+                    <a:srgbClr val="D6E1E2">
+                      <a:alpha val="37999"/>
+                    </a:srgbClr>
+                  </a:gs>
+                </a:gsLst>
+                <a:lin ang="5400000" scaled="1"/>
+              </a:gradFill>
+              <a:ln w="9525">
+                <a:noFill/>
+                <a:round/>
+                <a:headEnd/>
+                <a:tailEnd/>
+              </a:ln>
+            </p:spPr>
+            <p:txBody>
+              <a:bodyPr vert="eaVert" wrap="none" anchor="ctr"/>
+              <a:lstStyle/>
+              <a:p>
+                <a:endParaRPr lang="ja-JP" altLang="en-US">
+                  <a:latin typeface="メイリオ"/>
+                  <a:ea typeface="Osaka−等幅"/>
+                  <a:cs typeface="Osaka−等幅"/>
+                </a:endParaRPr>
+              </a:p>
+            </p:txBody>
+          </p:sp>
+        </p:grpSp>
+        <p:sp>
+          <p:nvSpPr>
+            <p:cNvPr id="25628" name="Text Box 125"/>
+            <p:cNvSpPr txBox="1">
+              <a:spLocks noChangeArrowheads="1"/>
+            </p:cNvSpPr>
+            <p:nvPr/>
+          </p:nvSpPr>
+          <p:spPr bwMode="gray">
+            <a:xfrm>
+              <a:off x="4296" y="1398"/>
+              <a:ext cx="212" cy="288"/>
+            </a:xfrm>
+            <a:prstGeom prst="rect">
+              <a:avLst/>
+            </a:prstGeom>
+            <a:noFill/>
+            <a:ln w="9525">
+              <a:noFill/>
+              <a:miter lim="800000"/>
+              <a:headEnd/>
+              <a:tailEnd/>
+            </a:ln>
+          </p:spPr>
+          <p:txBody>
+            <a:bodyPr wrap="none">
+              <a:spAutoFit/>
+            </a:bodyPr>
+            <a:lstStyle/>
+            <a:p>
+              <a:pPr eaLnBrk="0" hangingPunct="0"/>
+              <a:r>
+                <a:rPr kumimoji="0" lang="en-US" altLang="ja-JP" sz="2400">
+                  <a:solidFill>
+                    <a:srgbClr val="000000"/>
+                  </a:solidFill>
+                  <a:latin typeface="メイリオ"/>
+                  <a:ea typeface="Osaka−等幅"/>
+                  <a:cs typeface="Osaka−等幅"/>
+                </a:rPr>
+                <a:t>3</a:t>
+              </a:r>
+            </a:p>
+          </p:txBody>
+        </p:sp>
+      </p:grpSp>
+      <p:sp>
+        <p:nvSpPr>
+          <p:cNvPr id="40" name="AutoShape 149"/>
+          <p:cNvSpPr>
+            <a:spLocks noChangeArrowheads="1"/>
+          </p:cNvSpPr>
+          <p:nvPr/>
+        </p:nvSpPr>
+        <p:spPr bwMode="gray">
+          <a:xfrm>
+            <a:off x="1258888" y="5219700"/>
+            <a:ext cx="6842125" cy="1089025"/>
+          </a:xfrm>
+          <a:prstGeom prst="roundRect">
+            <a:avLst>
+              <a:gd name="adj" fmla="val 10889"/>
+            </a:avLst>
+          </a:prstGeom>
+          <a:gradFill rotWithShape="1">
+            <a:gsLst>
+              <a:gs pos="0">
+                <a:srgbClr val="DDDDDD">
+                  <a:gamma/>
+                  <a:tint val="51373"/>
+                  <a:invGamma/>
+                </a:srgbClr>
+              </a:gs>
+              <a:gs pos="100000">
+                <a:srgbClr val="DDDDDD"/>
+              </a:gs>
+            </a:gsLst>
+            <a:lin ang="2700000" scaled="1"/>
+          </a:gradFill>
+          <a:ln w="38100">
+            <a:solidFill>
+              <a:srgbClr val="FFFFFF"/>
+            </a:solidFill>
+            <a:round/>
+            <a:headEnd/>
+            <a:tailEnd/>
+          </a:ln>
+          <a:effectLst>
+            <a:outerShdw blurRad="63500" dist="135003" dir="2928844" algn="ctr" rotWithShape="0">
+              <a:srgbClr val="000000">
+                <a:alpha val="50000"/>
+              </a:srgbClr>
+            </a:outerShdw>
+          </a:effectLst>
+        </p:spPr>
+        <p:txBody>
+          <a:bodyPr wrap="none" anchor="ctr">
+            <a:prstTxWarp prst="textNoShape">
+              <a:avLst/>
+            </a:prstTxWarp>
+          </a:bodyPr>
+          <a:lstStyle/>
+          <a:p>
+            <a:pPr>
+              <a:defRPr/>
+            </a:pPr>
+            <a:r>
+              <a:rPr lang="en-US" altLang="ja-JP" sz="1400" dirty="0" err="1">
+                <a:latin typeface="Osaka−等幅"/>
+                <a:ea typeface="Osaka−等幅"/>
+                <a:cs typeface="HGP創英角ｺﾞｼｯｸUB" pitchFamily="50" charset="-128"/>
+              </a:rPr>
+              <a:t>【DBFlute</a:t>
+            </a:r>
+            <a:r>
+              <a:rPr lang="ja-JP" altLang="en-US" sz="1400" dirty="0">
+                <a:latin typeface="Osaka−等幅"/>
+                <a:ea typeface="Osaka−等幅"/>
+                <a:cs typeface="HGP創英角ｺﾞｼｯｸUB" pitchFamily="50" charset="-128"/>
+              </a:rPr>
+              <a:t>の</a:t>
+            </a:r>
+            <a:r>
+              <a:rPr lang="ja-JP" altLang="en-US" sz="1400" dirty="0" smtClean="0">
+                <a:latin typeface="Osaka−等幅"/>
+                <a:ea typeface="Osaka−等幅"/>
+                <a:cs typeface="HGP創英角ｺﾞｼｯｸUB" pitchFamily="50" charset="-128"/>
+              </a:rPr>
+              <a:t>考え</a:t>
+            </a:r>
+            <a:r>
+              <a:rPr lang="en-US" altLang="ja-JP" sz="1400" dirty="0" err="1" smtClean="0">
+                <a:latin typeface="Osaka−等幅"/>
+                <a:ea typeface="Osaka−等幅"/>
+                <a:cs typeface="HGP創英角ｺﾞｼｯｸUB" pitchFamily="50" charset="-128"/>
+              </a:rPr>
+              <a:t>】</a:t>
+            </a:r>
+            <a:r>
+              <a:rPr lang="en-US" altLang="ja-JP" sz="1400" smtClean="0">
+                <a:latin typeface="Osaka−等幅"/>
+                <a:ea typeface="Osaka−等幅"/>
+                <a:cs typeface="HGP創英角ｺﾞｼｯｸUB" pitchFamily="50" charset="-128"/>
+              </a:rPr>
+              <a:t>(</a:t>
+            </a:r>
+            <a:r>
+              <a:rPr lang="ja-JP" altLang="en-US" sz="1400" smtClean="0">
+                <a:latin typeface="Osaka−等幅"/>
+                <a:ea typeface="Osaka−等幅"/>
+                <a:cs typeface="HGP創英角ｺﾞｼｯｸUB" pitchFamily="50" charset="-128"/>
+              </a:rPr>
+              <a:t>再度</a:t>
+            </a:r>
+            <a:r>
+              <a:rPr lang="en-US" altLang="ja-JP" sz="1400" dirty="0" smtClean="0">
+                <a:latin typeface="Osaka−等幅"/>
+                <a:ea typeface="Osaka−等幅"/>
+                <a:cs typeface="HGP創英角ｺﾞｼｯｸUB" pitchFamily="50" charset="-128"/>
+              </a:rPr>
+              <a:t>)</a:t>
+            </a:r>
+          </a:p>
+          <a:p>
+            <a:pPr>
+              <a:defRPr/>
+            </a:pPr>
+            <a:endParaRPr lang="en-US" altLang="ja-JP" sz="800" dirty="0">
+              <a:latin typeface="Osaka−等幅"/>
+              <a:ea typeface="Osaka−等幅"/>
+              <a:cs typeface="HGP創英角ｺﾞｼｯｸUB" pitchFamily="50" charset="-128"/>
+            </a:endParaRPr>
+          </a:p>
+          <a:p>
+            <a:pPr>
+              <a:defRPr/>
+            </a:pPr>
+            <a:r>
+              <a:rPr lang="ja-JP" altLang="en-US" sz="1200" dirty="0">
+                <a:latin typeface="Osaka−等幅"/>
+                <a:ea typeface="Osaka−等幅"/>
+                <a:cs typeface="HGP創英角ｺﾞｼｯｸUB" pitchFamily="50" charset="-128"/>
+              </a:rPr>
+              <a:t>想定外コストはデバッグ作業で発生する。</a:t>
+            </a:r>
+            <a:endParaRPr lang="en-US" altLang="ja-JP" sz="1200" dirty="0">
+              <a:latin typeface="Osaka−等幅"/>
+              <a:ea typeface="Osaka−等幅"/>
+              <a:cs typeface="HGP創英角ｺﾞｼｯｸUB" pitchFamily="50" charset="-128"/>
+            </a:endParaRPr>
+          </a:p>
+          <a:p>
+            <a:pPr>
+              <a:defRPr/>
+            </a:pPr>
+            <a:r>
+              <a:rPr lang="en-US" altLang="ja-JP" sz="1200" dirty="0">
+                <a:latin typeface="Osaka−等幅"/>
+                <a:ea typeface="Osaka−等幅"/>
+                <a:cs typeface="HGP創英角ｺﾞｼｯｸUB" pitchFamily="50" charset="-128"/>
+              </a:rPr>
+              <a:t>▼</a:t>
+            </a:r>
+          </a:p>
+          <a:p>
+            <a:pPr>
+              <a:defRPr/>
+            </a:pPr>
+            <a:r>
+              <a:rPr lang="ja-JP" altLang="en-US" sz="1200" dirty="0">
+                <a:latin typeface="Osaka−等幅"/>
+                <a:ea typeface="Osaka−等幅"/>
+                <a:cs typeface="HGP創英角ｺﾞｼｯｸUB" pitchFamily="50" charset="-128"/>
+              </a:rPr>
+              <a:t>安全性を重視したインターフェースが、結果的にコストを削減する。</a:t>
             </a:r>
           </a:p>
         </p:txBody>
